--- a/70 Leetcode problems in all topics.pptx
+++ b/70 Leetcode problems in all topics.pptx
@@ -4,6 +4,9 @@
   <p:sldMasterIdLst>
     <p:sldMasterId id="2147483648" r:id="rId1"/>
   </p:sldMasterIdLst>
+  <p:notesMasterIdLst>
+    <p:notesMasterId r:id="rId3"/>
+  </p:notesMasterIdLst>
   <p:sldIdLst>
     <p:sldId id="257" r:id="rId2"/>
   </p:sldIdLst>
@@ -104,7 +107,362 @@
       </a:defRPr>
     </a:lvl9pPr>
   </p:defaultTextStyle>
+  <p:extLst>
+    <p:ext uri="{EFAFB233-063F-42B5-8137-9DF3F51BA10A}">
+      <p15:sldGuideLst xmlns:p15="http://schemas.microsoft.com/office/powerpoint/2012/main"/>
+    </p:ext>
+  </p:extLst>
 </p:presentation>
+</file>
+
+<file path=ppt/notesMasters/notesMaster1.xml><?xml version="1.0" encoding="utf-8"?>
+<p:notesMaster xmlns:a="http://schemas.openxmlformats.org/drawingml/2006/main" xmlns:r="http://schemas.openxmlformats.org/officeDocument/2006/relationships" xmlns:p="http://schemas.openxmlformats.org/presentationml/2006/main">
+  <p:cSld>
+    <p:bg>
+      <p:bgRef idx="1001">
+        <a:schemeClr val="bg1"/>
+      </p:bgRef>
+    </p:bg>
+    <p:spTree>
+      <p:nvGrpSpPr>
+        <p:cNvPr id="1" name=""/>
+        <p:cNvGrpSpPr/>
+        <p:nvPr/>
+      </p:nvGrpSpPr>
+      <p:grpSpPr>
+        <a:xfrm>
+          <a:off x="0" y="0"/>
+          <a:ext cx="0" cy="0"/>
+          <a:chOff x="0" y="0"/>
+          <a:chExt cx="0" cy="0"/>
+        </a:xfrm>
+      </p:grpSpPr>
+      <p:sp>
+        <p:nvSpPr>
+          <p:cNvPr id="2" name="Header Placeholder 1"/>
+          <p:cNvSpPr>
+            <a:spLocks noGrp="1"/>
+          </p:cNvSpPr>
+          <p:nvPr>
+            <p:ph type="hdr" sz="quarter"/>
+          </p:nvPr>
+        </p:nvSpPr>
+        <p:spPr>
+          <a:xfrm>
+            <a:off x="0" y="0"/>
+            <a:ext cx="2971800" cy="458788"/>
+          </a:xfrm>
+          <a:prstGeom prst="rect">
+            <a:avLst/>
+          </a:prstGeom>
+        </p:spPr>
+        <p:txBody>
+          <a:bodyPr vert="horz" lIns="91440" tIns="45720" rIns="91440" bIns="45720" rtlCol="0"/>
+          <a:lstStyle>
+            <a:lvl1pPr algn="l">
+              <a:defRPr sz="1200"/>
+            </a:lvl1pPr>
+          </a:lstStyle>
+          <a:p>
+            <a:endParaRPr lang="en-IN"/>
+          </a:p>
+        </p:txBody>
+      </p:sp>
+      <p:sp>
+        <p:nvSpPr>
+          <p:cNvPr id="3" name="Date Placeholder 2"/>
+          <p:cNvSpPr>
+            <a:spLocks noGrp="1"/>
+          </p:cNvSpPr>
+          <p:nvPr>
+            <p:ph type="dt" idx="1"/>
+          </p:nvPr>
+        </p:nvSpPr>
+        <p:spPr>
+          <a:xfrm>
+            <a:off x="3884613" y="0"/>
+            <a:ext cx="2971800" cy="458788"/>
+          </a:xfrm>
+          <a:prstGeom prst="rect">
+            <a:avLst/>
+          </a:prstGeom>
+        </p:spPr>
+        <p:txBody>
+          <a:bodyPr vert="horz" lIns="91440" tIns="45720" rIns="91440" bIns="45720" rtlCol="0"/>
+          <a:lstStyle>
+            <a:lvl1pPr algn="r">
+              <a:defRPr sz="1200"/>
+            </a:lvl1pPr>
+          </a:lstStyle>
+          <a:p>
+            <a:fld id="{F7A7A88A-BD69-4FB2-BF26-8B1A821B3245}" type="datetimeFigureOut">
+              <a:rPr lang="en-IN" smtClean="0"/>
+              <a:t>26-12-2024</a:t>
+            </a:fld>
+            <a:endParaRPr lang="en-IN"/>
+          </a:p>
+        </p:txBody>
+      </p:sp>
+      <p:sp>
+        <p:nvSpPr>
+          <p:cNvPr id="4" name="Slide Image Placeholder 3"/>
+          <p:cNvSpPr>
+            <a:spLocks noGrp="1" noRot="1" noChangeAspect="1"/>
+          </p:cNvSpPr>
+          <p:nvPr>
+            <p:ph type="sldImg" idx="2"/>
+          </p:nvPr>
+        </p:nvSpPr>
+        <p:spPr>
+          <a:xfrm>
+            <a:off x="685800" y="1143000"/>
+            <a:ext cx="5486400" cy="3086100"/>
+          </a:xfrm>
+          <a:prstGeom prst="rect">
+            <a:avLst/>
+          </a:prstGeom>
+          <a:noFill/>
+          <a:ln w="12700">
+            <a:solidFill>
+              <a:prstClr val="black"/>
+            </a:solidFill>
+          </a:ln>
+        </p:spPr>
+        <p:txBody>
+          <a:bodyPr vert="horz" lIns="91440" tIns="45720" rIns="91440" bIns="45720" rtlCol="0" anchor="ctr"/>
+          <a:lstStyle/>
+          <a:p>
+            <a:endParaRPr lang="en-IN"/>
+          </a:p>
+        </p:txBody>
+      </p:sp>
+      <p:sp>
+        <p:nvSpPr>
+          <p:cNvPr id="5" name="Notes Placeholder 4"/>
+          <p:cNvSpPr>
+            <a:spLocks noGrp="1"/>
+          </p:cNvSpPr>
+          <p:nvPr>
+            <p:ph type="body" sz="quarter" idx="3"/>
+          </p:nvPr>
+        </p:nvSpPr>
+        <p:spPr>
+          <a:xfrm>
+            <a:off x="685800" y="4400550"/>
+            <a:ext cx="5486400" cy="3600450"/>
+          </a:xfrm>
+          <a:prstGeom prst="rect">
+            <a:avLst/>
+          </a:prstGeom>
+        </p:spPr>
+        <p:txBody>
+          <a:bodyPr vert="horz" lIns="91440" tIns="45720" rIns="91440" bIns="45720" rtlCol="0"/>
+          <a:lstStyle/>
+          <a:p>
+            <a:pPr lvl="0"/>
+            <a:r>
+              <a:rPr lang="en-US" smtClean="0"/>
+              <a:t>Edit Master text styles</a:t>
+            </a:r>
+          </a:p>
+          <a:p>
+            <a:pPr lvl="1"/>
+            <a:r>
+              <a:rPr lang="en-US" smtClean="0"/>
+              <a:t>Second level</a:t>
+            </a:r>
+          </a:p>
+          <a:p>
+            <a:pPr lvl="2"/>
+            <a:r>
+              <a:rPr lang="en-US" smtClean="0"/>
+              <a:t>Third level</a:t>
+            </a:r>
+          </a:p>
+          <a:p>
+            <a:pPr lvl="3"/>
+            <a:r>
+              <a:rPr lang="en-US" smtClean="0"/>
+              <a:t>Fourth level</a:t>
+            </a:r>
+          </a:p>
+          <a:p>
+            <a:pPr lvl="4"/>
+            <a:r>
+              <a:rPr lang="en-US" smtClean="0"/>
+              <a:t>Fifth level</a:t>
+            </a:r>
+            <a:endParaRPr lang="en-IN"/>
+          </a:p>
+        </p:txBody>
+      </p:sp>
+      <p:sp>
+        <p:nvSpPr>
+          <p:cNvPr id="6" name="Footer Placeholder 5"/>
+          <p:cNvSpPr>
+            <a:spLocks noGrp="1"/>
+          </p:cNvSpPr>
+          <p:nvPr>
+            <p:ph type="ftr" sz="quarter" idx="4"/>
+          </p:nvPr>
+        </p:nvSpPr>
+        <p:spPr>
+          <a:xfrm>
+            <a:off x="0" y="8685213"/>
+            <a:ext cx="2971800" cy="458787"/>
+          </a:xfrm>
+          <a:prstGeom prst="rect">
+            <a:avLst/>
+          </a:prstGeom>
+        </p:spPr>
+        <p:txBody>
+          <a:bodyPr vert="horz" lIns="91440" tIns="45720" rIns="91440" bIns="45720" rtlCol="0" anchor="b"/>
+          <a:lstStyle>
+            <a:lvl1pPr algn="l">
+              <a:defRPr sz="1200"/>
+            </a:lvl1pPr>
+          </a:lstStyle>
+          <a:p>
+            <a:endParaRPr lang="en-IN"/>
+          </a:p>
+        </p:txBody>
+      </p:sp>
+      <p:sp>
+        <p:nvSpPr>
+          <p:cNvPr id="7" name="Slide Number Placeholder 6"/>
+          <p:cNvSpPr>
+            <a:spLocks noGrp="1"/>
+          </p:cNvSpPr>
+          <p:nvPr>
+            <p:ph type="sldNum" sz="quarter" idx="5"/>
+          </p:nvPr>
+        </p:nvSpPr>
+        <p:spPr>
+          <a:xfrm>
+            <a:off x="3884613" y="8685213"/>
+            <a:ext cx="2971800" cy="458787"/>
+          </a:xfrm>
+          <a:prstGeom prst="rect">
+            <a:avLst/>
+          </a:prstGeom>
+        </p:spPr>
+        <p:txBody>
+          <a:bodyPr vert="horz" lIns="91440" tIns="45720" rIns="91440" bIns="45720" rtlCol="0" anchor="b"/>
+          <a:lstStyle>
+            <a:lvl1pPr algn="r">
+              <a:defRPr sz="1200"/>
+            </a:lvl1pPr>
+          </a:lstStyle>
+          <a:p>
+            <a:fld id="{0C96218B-E2DF-4BA5-A8E5-D5191B0AC5B3}" type="slidenum">
+              <a:rPr lang="en-IN" smtClean="0"/>
+              <a:t>‹#›</a:t>
+            </a:fld>
+            <a:endParaRPr lang="en-IN"/>
+          </a:p>
+        </p:txBody>
+      </p:sp>
+    </p:spTree>
+    <p:extLst>
+      <p:ext uri="{BB962C8B-B14F-4D97-AF65-F5344CB8AC3E}">
+        <p14:creationId xmlns:p14="http://schemas.microsoft.com/office/powerpoint/2010/main" val="2336571132"/>
+      </p:ext>
+    </p:extLst>
+  </p:cSld>
+  <p:clrMap bg1="lt1" tx1="dk1" bg2="lt2" tx2="dk2" accent1="accent1" accent2="accent2" accent3="accent3" accent4="accent4" accent5="accent5" accent6="accent6" hlink="hlink" folHlink="folHlink"/>
+  <p:notesStyle>
+    <a:lvl1pPr marL="0" algn="l" defTabSz="914400" rtl="0" eaLnBrk="1" latinLnBrk="0" hangingPunct="1">
+      <a:defRPr sz="1200" kern="1200">
+        <a:solidFill>
+          <a:schemeClr val="tx1"/>
+        </a:solidFill>
+        <a:latin typeface="+mn-lt"/>
+        <a:ea typeface="+mn-ea"/>
+        <a:cs typeface="+mn-cs"/>
+      </a:defRPr>
+    </a:lvl1pPr>
+    <a:lvl2pPr marL="457200" algn="l" defTabSz="914400" rtl="0" eaLnBrk="1" latinLnBrk="0" hangingPunct="1">
+      <a:defRPr sz="1200" kern="1200">
+        <a:solidFill>
+          <a:schemeClr val="tx1"/>
+        </a:solidFill>
+        <a:latin typeface="+mn-lt"/>
+        <a:ea typeface="+mn-ea"/>
+        <a:cs typeface="+mn-cs"/>
+      </a:defRPr>
+    </a:lvl2pPr>
+    <a:lvl3pPr marL="914400" algn="l" defTabSz="914400" rtl="0" eaLnBrk="1" latinLnBrk="0" hangingPunct="1">
+      <a:defRPr sz="1200" kern="1200">
+        <a:solidFill>
+          <a:schemeClr val="tx1"/>
+        </a:solidFill>
+        <a:latin typeface="+mn-lt"/>
+        <a:ea typeface="+mn-ea"/>
+        <a:cs typeface="+mn-cs"/>
+      </a:defRPr>
+    </a:lvl3pPr>
+    <a:lvl4pPr marL="1371600" algn="l" defTabSz="914400" rtl="0" eaLnBrk="1" latinLnBrk="0" hangingPunct="1">
+      <a:defRPr sz="1200" kern="1200">
+        <a:solidFill>
+          <a:schemeClr val="tx1"/>
+        </a:solidFill>
+        <a:latin typeface="+mn-lt"/>
+        <a:ea typeface="+mn-ea"/>
+        <a:cs typeface="+mn-cs"/>
+      </a:defRPr>
+    </a:lvl4pPr>
+    <a:lvl5pPr marL="1828800" algn="l" defTabSz="914400" rtl="0" eaLnBrk="1" latinLnBrk="0" hangingPunct="1">
+      <a:defRPr sz="1200" kern="1200">
+        <a:solidFill>
+          <a:schemeClr val="tx1"/>
+        </a:solidFill>
+        <a:latin typeface="+mn-lt"/>
+        <a:ea typeface="+mn-ea"/>
+        <a:cs typeface="+mn-cs"/>
+      </a:defRPr>
+    </a:lvl5pPr>
+    <a:lvl6pPr marL="2286000" algn="l" defTabSz="914400" rtl="0" eaLnBrk="1" latinLnBrk="0" hangingPunct="1">
+      <a:defRPr sz="1200" kern="1200">
+        <a:solidFill>
+          <a:schemeClr val="tx1"/>
+        </a:solidFill>
+        <a:latin typeface="+mn-lt"/>
+        <a:ea typeface="+mn-ea"/>
+        <a:cs typeface="+mn-cs"/>
+      </a:defRPr>
+    </a:lvl6pPr>
+    <a:lvl7pPr marL="2743200" algn="l" defTabSz="914400" rtl="0" eaLnBrk="1" latinLnBrk="0" hangingPunct="1">
+      <a:defRPr sz="1200" kern="1200">
+        <a:solidFill>
+          <a:schemeClr val="tx1"/>
+        </a:solidFill>
+        <a:latin typeface="+mn-lt"/>
+        <a:ea typeface="+mn-ea"/>
+        <a:cs typeface="+mn-cs"/>
+      </a:defRPr>
+    </a:lvl7pPr>
+    <a:lvl8pPr marL="3200400" algn="l" defTabSz="914400" rtl="0" eaLnBrk="1" latinLnBrk="0" hangingPunct="1">
+      <a:defRPr sz="1200" kern="1200">
+        <a:solidFill>
+          <a:schemeClr val="tx1"/>
+        </a:solidFill>
+        <a:latin typeface="+mn-lt"/>
+        <a:ea typeface="+mn-ea"/>
+        <a:cs typeface="+mn-cs"/>
+      </a:defRPr>
+    </a:lvl8pPr>
+    <a:lvl9pPr marL="3657600" algn="l" defTabSz="914400" rtl="0" eaLnBrk="1" latinLnBrk="0" hangingPunct="1">
+      <a:defRPr sz="1200" kern="1200">
+        <a:solidFill>
+          <a:schemeClr val="tx1"/>
+        </a:solidFill>
+        <a:latin typeface="+mn-lt"/>
+        <a:ea typeface="+mn-ea"/>
+        <a:cs typeface="+mn-cs"/>
+      </a:defRPr>
+    </a:lvl9pPr>
+  </p:notesStyle>
+</p:notesMaster>
 </file>
 
 <file path=ppt/slideLayouts/slideLayout1.xml><?xml version="1.0" encoding="utf-8"?>
@@ -3739,6 +4097,94 @@
           <a:chExt cx="0" cy="0"/>
         </a:xfrm>
       </p:grpSpPr>
+      <p:sp>
+        <p:nvSpPr>
+          <p:cNvPr id="2" name="TextBox 1"/>
+          <p:cNvSpPr txBox="1"/>
+          <p:nvPr/>
+        </p:nvSpPr>
+        <p:spPr>
+          <a:xfrm flipH="1">
+            <a:off x="-2" y="2602523"/>
+            <a:ext cx="12192001" cy="861774"/>
+          </a:xfrm>
+          <a:prstGeom prst="rect">
+            <a:avLst/>
+          </a:prstGeom>
+          <a:noFill/>
+        </p:spPr>
+        <p:txBody>
+          <a:bodyPr wrap="square" rtlCol="0">
+            <a:spAutoFit/>
+          </a:bodyPr>
+          <a:lstStyle/>
+          <a:p>
+            <a:pPr algn="ctr"/>
+            <a:r>
+              <a:rPr lang="en-US" sz="5000" dirty="0">
+                <a:ln w="0"/>
+                <a:effectLst>
+                  <a:outerShdw blurRad="38100" dist="19050" dir="2700000" algn="tl" rotWithShape="0">
+                    <a:schemeClr val="dk1">
+                      <a:alpha val="40000"/>
+                    </a:schemeClr>
+                  </a:outerShdw>
+                </a:effectLst>
+              </a:rPr>
+              <a:t>70 </a:t>
+            </a:r>
+            <a:r>
+              <a:rPr lang="en-US" sz="5000" dirty="0" err="1">
+                <a:ln w="0"/>
+                <a:effectLst>
+                  <a:outerShdw blurRad="38100" dist="19050" dir="2700000" algn="tl" rotWithShape="0">
+                    <a:schemeClr val="dk1">
+                      <a:alpha val="40000"/>
+                    </a:schemeClr>
+                  </a:outerShdw>
+                </a:effectLst>
+              </a:rPr>
+              <a:t>Leetcode</a:t>
+            </a:r>
+            <a:r>
+              <a:rPr lang="en-US" sz="5000" dirty="0">
+                <a:ln w="0"/>
+                <a:effectLst>
+                  <a:outerShdw blurRad="38100" dist="19050" dir="2700000" algn="tl" rotWithShape="0">
+                    <a:schemeClr val="dk1">
+                      <a:alpha val="40000"/>
+                    </a:schemeClr>
+                  </a:outerShdw>
+                </a:effectLst>
+              </a:rPr>
+              <a:t> problems in all </a:t>
+            </a:r>
+            <a:r>
+              <a:rPr lang="en-US" sz="5000" dirty="0" smtClean="0">
+                <a:ln w="0"/>
+                <a:effectLst>
+                  <a:outerShdw blurRad="38100" dist="19050" dir="2700000" algn="tl" rotWithShape="0">
+                    <a:schemeClr val="dk1">
+                      <a:alpha val="40000"/>
+                    </a:schemeClr>
+                  </a:outerShdw>
+                </a:effectLst>
+              </a:rPr>
+              <a:t>topics</a:t>
+            </a:r>
+            <a:endParaRPr lang="en-US" sz="5000" dirty="0">
+              <a:ln w="0"/>
+              <a:effectLst>
+                <a:outerShdw blurRad="38100" dist="19050" dir="2700000" algn="tl" rotWithShape="0">
+                  <a:schemeClr val="dk1">
+                    <a:alpha val="40000"/>
+                  </a:schemeClr>
+                </a:outerShdw>
+              </a:effectLst>
+            </a:endParaRPr>
+          </a:p>
+        </p:txBody>
+      </p:sp>
     </p:spTree>
     <p:extLst>
       <p:ext uri="{BB962C8B-B14F-4D97-AF65-F5344CB8AC3E}">
@@ -4033,4 +4479,265 @@
     </a:ext>
   </a:extLst>
 </a:theme>
+</file>
+
+<file path=ppt/theme/theme2.xml><?xml version="1.0" encoding="utf-8"?>
+<a:theme xmlns:a="http://schemas.openxmlformats.org/drawingml/2006/main" name="Office Theme">
+  <a:themeElements>
+    <a:clrScheme name="Office">
+      <a:dk1>
+        <a:sysClr val="windowText" lastClr="000000"/>
+      </a:dk1>
+      <a:lt1>
+        <a:sysClr val="window" lastClr="FFFFFF"/>
+      </a:lt1>
+      <a:dk2>
+        <a:srgbClr val="44546A"/>
+      </a:dk2>
+      <a:lt2>
+        <a:srgbClr val="E7E6E6"/>
+      </a:lt2>
+      <a:accent1>
+        <a:srgbClr val="5B9BD5"/>
+      </a:accent1>
+      <a:accent2>
+        <a:srgbClr val="ED7D31"/>
+      </a:accent2>
+      <a:accent3>
+        <a:srgbClr val="A5A5A5"/>
+      </a:accent3>
+      <a:accent4>
+        <a:srgbClr val="FFC000"/>
+      </a:accent4>
+      <a:accent5>
+        <a:srgbClr val="4472C4"/>
+      </a:accent5>
+      <a:accent6>
+        <a:srgbClr val="70AD47"/>
+      </a:accent6>
+      <a:hlink>
+        <a:srgbClr val="0563C1"/>
+      </a:hlink>
+      <a:folHlink>
+        <a:srgbClr val="954F72"/>
+      </a:folHlink>
+    </a:clrScheme>
+    <a:fontScheme name="Office">
+      <a:majorFont>
+        <a:latin typeface="Calibri Light" panose="020F0302020204030204"/>
+        <a:ea typeface=""/>
+        <a:cs typeface=""/>
+        <a:font script="Jpan" typeface="游ゴシック Light"/>
+        <a:font script="Hang" typeface="맑은 고딕"/>
+        <a:font script="Hans" typeface="等线 Light"/>
+        <a:font script="Hant" typeface="新細明體"/>
+        <a:font script="Arab" typeface="Times New Roman"/>
+        <a:font script="Hebr" typeface="Times New Roman"/>
+        <a:font script="Thai" typeface="Angsana New"/>
+        <a:font script="Ethi" typeface="Nyala"/>
+        <a:font script="Beng" typeface="Vrinda"/>
+        <a:font script="Gujr" typeface="Shruti"/>
+        <a:font script="Khmr" typeface="MoolBoran"/>
+        <a:font script="Knda" typeface="Tunga"/>
+        <a:font script="Guru" typeface="Raavi"/>
+        <a:font script="Cans" typeface="Euphemia"/>
+        <a:font script="Cher" typeface="Plantagenet Cherokee"/>
+        <a:font script="Yiii" typeface="Microsoft Yi Baiti"/>
+        <a:font script="Tibt" typeface="Microsoft Himalaya"/>
+        <a:font script="Thaa" typeface="MV Boli"/>
+        <a:font script="Deva" typeface="Mangal"/>
+        <a:font script="Telu" typeface="Gautami"/>
+        <a:font script="Taml" typeface="Latha"/>
+        <a:font script="Syrc" typeface="Estrangelo Edessa"/>
+        <a:font script="Orya" typeface="Kalinga"/>
+        <a:font script="Mlym" typeface="Kartika"/>
+        <a:font script="Laoo" typeface="DokChampa"/>
+        <a:font script="Sinh" typeface="Iskoola Pota"/>
+        <a:font script="Mong" typeface="Mongolian Baiti"/>
+        <a:font script="Viet" typeface="Times New Roman"/>
+        <a:font script="Uigh" typeface="Microsoft Uighur"/>
+        <a:font script="Geor" typeface="Sylfaen"/>
+      </a:majorFont>
+      <a:minorFont>
+        <a:latin typeface="Calibri" panose="020F0502020204030204"/>
+        <a:ea typeface=""/>
+        <a:cs typeface=""/>
+        <a:font script="Jpan" typeface="游ゴシック"/>
+        <a:font script="Hang" typeface="맑은 고딕"/>
+        <a:font script="Hans" typeface="等线"/>
+        <a:font script="Hant" typeface="新細明體"/>
+        <a:font script="Arab" typeface="Arial"/>
+        <a:font script="Hebr" typeface="Arial"/>
+        <a:font script="Thai" typeface="Cordia New"/>
+        <a:font script="Ethi" typeface="Nyala"/>
+        <a:font script="Beng" typeface="Vrinda"/>
+        <a:font script="Gujr" typeface="Shruti"/>
+        <a:font script="Khmr" typeface="DaunPenh"/>
+        <a:font script="Knda" typeface="Tunga"/>
+        <a:font script="Guru" typeface="Raavi"/>
+        <a:font script="Cans" typeface="Euphemia"/>
+        <a:font script="Cher" typeface="Plantagenet Cherokee"/>
+        <a:font script="Yiii" typeface="Microsoft Yi Baiti"/>
+        <a:font script="Tibt" typeface="Microsoft Himalaya"/>
+        <a:font script="Thaa" typeface="MV Boli"/>
+        <a:font script="Deva" typeface="Mangal"/>
+        <a:font script="Telu" typeface="Gautami"/>
+        <a:font script="Taml" typeface="Latha"/>
+        <a:font script="Syrc" typeface="Estrangelo Edessa"/>
+        <a:font script="Orya" typeface="Kalinga"/>
+        <a:font script="Mlym" typeface="Kartika"/>
+        <a:font script="Laoo" typeface="DokChampa"/>
+        <a:font script="Sinh" typeface="Iskoola Pota"/>
+        <a:font script="Mong" typeface="Mongolian Baiti"/>
+        <a:font script="Viet" typeface="Arial"/>
+        <a:font script="Uigh" typeface="Microsoft Uighur"/>
+        <a:font script="Geor" typeface="Sylfaen"/>
+      </a:minorFont>
+    </a:fontScheme>
+    <a:fmtScheme name="Office">
+      <a:fillStyleLst>
+        <a:solidFill>
+          <a:schemeClr val="phClr"/>
+        </a:solidFill>
+        <a:gradFill rotWithShape="1">
+          <a:gsLst>
+            <a:gs pos="0">
+              <a:schemeClr val="phClr">
+                <a:lumMod val="110000"/>
+                <a:satMod val="105000"/>
+                <a:tint val="67000"/>
+              </a:schemeClr>
+            </a:gs>
+            <a:gs pos="50000">
+              <a:schemeClr val="phClr">
+                <a:lumMod val="105000"/>
+                <a:satMod val="103000"/>
+                <a:tint val="73000"/>
+              </a:schemeClr>
+            </a:gs>
+            <a:gs pos="100000">
+              <a:schemeClr val="phClr">
+                <a:lumMod val="105000"/>
+                <a:satMod val="109000"/>
+                <a:tint val="81000"/>
+              </a:schemeClr>
+            </a:gs>
+          </a:gsLst>
+          <a:lin ang="5400000" scaled="0"/>
+        </a:gradFill>
+        <a:gradFill rotWithShape="1">
+          <a:gsLst>
+            <a:gs pos="0">
+              <a:schemeClr val="phClr">
+                <a:satMod val="103000"/>
+                <a:lumMod val="102000"/>
+                <a:tint val="94000"/>
+              </a:schemeClr>
+            </a:gs>
+            <a:gs pos="50000">
+              <a:schemeClr val="phClr">
+                <a:satMod val="110000"/>
+                <a:lumMod val="100000"/>
+                <a:shade val="100000"/>
+              </a:schemeClr>
+            </a:gs>
+            <a:gs pos="100000">
+              <a:schemeClr val="phClr">
+                <a:lumMod val="99000"/>
+                <a:satMod val="120000"/>
+                <a:shade val="78000"/>
+              </a:schemeClr>
+            </a:gs>
+          </a:gsLst>
+          <a:lin ang="5400000" scaled="0"/>
+        </a:gradFill>
+      </a:fillStyleLst>
+      <a:lnStyleLst>
+        <a:ln w="6350" cap="flat" cmpd="sng" algn="ctr">
+          <a:solidFill>
+            <a:schemeClr val="phClr"/>
+          </a:solidFill>
+          <a:prstDash val="solid"/>
+          <a:miter lim="800000"/>
+        </a:ln>
+        <a:ln w="12700" cap="flat" cmpd="sng" algn="ctr">
+          <a:solidFill>
+            <a:schemeClr val="phClr"/>
+          </a:solidFill>
+          <a:prstDash val="solid"/>
+          <a:miter lim="800000"/>
+        </a:ln>
+        <a:ln w="19050" cap="flat" cmpd="sng" algn="ctr">
+          <a:solidFill>
+            <a:schemeClr val="phClr"/>
+          </a:solidFill>
+          <a:prstDash val="solid"/>
+          <a:miter lim="800000"/>
+        </a:ln>
+      </a:lnStyleLst>
+      <a:effectStyleLst>
+        <a:effectStyle>
+          <a:effectLst/>
+        </a:effectStyle>
+        <a:effectStyle>
+          <a:effectLst/>
+        </a:effectStyle>
+        <a:effectStyle>
+          <a:effectLst>
+            <a:outerShdw blurRad="57150" dist="19050" dir="5400000" algn="ctr" rotWithShape="0">
+              <a:srgbClr val="000000">
+                <a:alpha val="63000"/>
+              </a:srgbClr>
+            </a:outerShdw>
+          </a:effectLst>
+        </a:effectStyle>
+      </a:effectStyleLst>
+      <a:bgFillStyleLst>
+        <a:solidFill>
+          <a:schemeClr val="phClr"/>
+        </a:solidFill>
+        <a:solidFill>
+          <a:schemeClr val="phClr">
+            <a:tint val="95000"/>
+            <a:satMod val="170000"/>
+          </a:schemeClr>
+        </a:solidFill>
+        <a:gradFill rotWithShape="1">
+          <a:gsLst>
+            <a:gs pos="0">
+              <a:schemeClr val="phClr">
+                <a:tint val="93000"/>
+                <a:satMod val="150000"/>
+                <a:shade val="98000"/>
+                <a:lumMod val="102000"/>
+              </a:schemeClr>
+            </a:gs>
+            <a:gs pos="50000">
+              <a:schemeClr val="phClr">
+                <a:tint val="98000"/>
+                <a:satMod val="130000"/>
+                <a:shade val="90000"/>
+                <a:lumMod val="103000"/>
+              </a:schemeClr>
+            </a:gs>
+            <a:gs pos="100000">
+              <a:schemeClr val="phClr">
+                <a:shade val="63000"/>
+                <a:satMod val="120000"/>
+              </a:schemeClr>
+            </a:gs>
+          </a:gsLst>
+          <a:lin ang="5400000" scaled="0"/>
+        </a:gradFill>
+      </a:bgFillStyleLst>
+    </a:fmtScheme>
+  </a:themeElements>
+  <a:objectDefaults/>
+  <a:extraClrSchemeLst/>
+  <a:extLst>
+    <a:ext uri="{05A4C25C-085E-4340-85A3-A5531E510DB2}">
+      <thm15:themeFamily xmlns:thm15="http://schemas.microsoft.com/office/thememl/2012/main" name="Office Theme" id="{62F939B6-93AF-4DB8-9C6B-D6C7DFDC589F}" vid="{4A3C46E8-61CC-4603-A589-7422A47A8E4A}"/>
+    </a:ext>
+  </a:extLst>
+</a:theme>
 </file>
--- a/70 Leetcode problems in all topics.pptx
+++ b/70 Leetcode problems in all topics.pptx
@@ -5,10 +5,17 @@
     <p:sldMasterId id="2147483648" r:id="rId1"/>
   </p:sldMasterIdLst>
   <p:notesMasterIdLst>
-    <p:notesMasterId r:id="rId3"/>
+    <p:notesMasterId r:id="rId10"/>
   </p:notesMasterIdLst>
   <p:sldIdLst>
     <p:sldId id="257" r:id="rId2"/>
+    <p:sldId id="258" r:id="rId3"/>
+    <p:sldId id="259" r:id="rId4"/>
+    <p:sldId id="261" r:id="rId5"/>
+    <p:sldId id="262" r:id="rId6"/>
+    <p:sldId id="263" r:id="rId7"/>
+    <p:sldId id="264" r:id="rId8"/>
+    <p:sldId id="260" r:id="rId9"/>
   </p:sldIdLst>
   <p:sldSz cx="12192000" cy="6858000"/>
   <p:notesSz cx="6858000" cy="9144000"/>
@@ -4195,6 +4202,916 @@
   <p:clrMapOvr>
     <a:masterClrMapping/>
   </p:clrMapOvr>
+  <p:timing>
+    <p:tnLst>
+      <p:par>
+        <p:cTn id="1" dur="indefinite" restart="never" nodeType="tmRoot"/>
+      </p:par>
+    </p:tnLst>
+  </p:timing>
+</p:sld>
+</file>
+
+<file path=ppt/slides/slide2.xml><?xml version="1.0" encoding="utf-8"?>
+<p:sld xmlns:a="http://schemas.openxmlformats.org/drawingml/2006/main" xmlns:r="http://schemas.openxmlformats.org/officeDocument/2006/relationships" xmlns:p="http://schemas.openxmlformats.org/presentationml/2006/main">
+  <p:cSld>
+    <p:bg>
+      <p:bgPr>
+        <a:solidFill>
+          <a:srgbClr val="92D050">
+            <a:alpha val="26000"/>
+          </a:srgbClr>
+        </a:solidFill>
+        <a:effectLst/>
+      </p:bgPr>
+    </p:bg>
+    <p:spTree>
+      <p:nvGrpSpPr>
+        <p:cNvPr id="1" name=""/>
+        <p:cNvGrpSpPr/>
+        <p:nvPr/>
+      </p:nvGrpSpPr>
+      <p:grpSpPr>
+        <a:xfrm>
+          <a:off x="0" y="0"/>
+          <a:ext cx="0" cy="0"/>
+          <a:chOff x="0" y="0"/>
+          <a:chExt cx="0" cy="0"/>
+        </a:xfrm>
+      </p:grpSpPr>
+      <p:sp>
+        <p:nvSpPr>
+          <p:cNvPr id="3" name="TextBox 2"/>
+          <p:cNvSpPr txBox="1"/>
+          <p:nvPr/>
+        </p:nvSpPr>
+        <p:spPr>
+          <a:xfrm>
+            <a:off x="0" y="2294792"/>
+            <a:ext cx="12192000" cy="1200329"/>
+          </a:xfrm>
+          <a:prstGeom prst="rect">
+            <a:avLst/>
+          </a:prstGeom>
+          <a:noFill/>
+        </p:spPr>
+        <p:txBody>
+          <a:bodyPr wrap="square" rtlCol="0">
+            <a:spAutoFit/>
+          </a:bodyPr>
+          <a:lstStyle/>
+          <a:p>
+            <a:pPr lvl="1" algn="ctr"/>
+            <a:r>
+              <a:rPr lang="en-IN" sz="7200" dirty="0" smtClean="0">
+                <a:effectLst>
+                  <a:outerShdw blurRad="38100" dist="38100" dir="2700000" algn="tl">
+                    <a:srgbClr val="000000">
+                      <a:alpha val="43137"/>
+                    </a:srgbClr>
+                  </a:outerShdw>
+                </a:effectLst>
+              </a:rPr>
+              <a:t>Arrays</a:t>
+            </a:r>
+            <a:endParaRPr lang="en-IN" sz="7200" dirty="0">
+              <a:effectLst>
+                <a:outerShdw blurRad="38100" dist="38100" dir="2700000" algn="tl">
+                  <a:srgbClr val="000000">
+                    <a:alpha val="43137"/>
+                  </a:srgbClr>
+                </a:outerShdw>
+              </a:effectLst>
+            </a:endParaRPr>
+          </a:p>
+        </p:txBody>
+      </p:sp>
+    </p:spTree>
+    <p:extLst>
+      <p:ext uri="{BB962C8B-B14F-4D97-AF65-F5344CB8AC3E}">
+        <p14:creationId xmlns:p14="http://schemas.microsoft.com/office/powerpoint/2010/main" val="1243815274"/>
+      </p:ext>
+    </p:extLst>
+  </p:cSld>
+  <p:clrMapOvr>
+    <a:masterClrMapping/>
+  </p:clrMapOvr>
+  <p:timing>
+    <p:tnLst>
+      <p:par>
+        <p:cTn id="1" dur="indefinite" restart="never" nodeType="tmRoot"/>
+      </p:par>
+    </p:tnLst>
+  </p:timing>
+</p:sld>
+</file>
+
+<file path=ppt/slides/slide3.xml><?xml version="1.0" encoding="utf-8"?>
+<p:sld xmlns:a="http://schemas.openxmlformats.org/drawingml/2006/main" xmlns:r="http://schemas.openxmlformats.org/officeDocument/2006/relationships" xmlns:p="http://schemas.openxmlformats.org/presentationml/2006/main">
+  <p:cSld>
+    <p:spTree>
+      <p:nvGrpSpPr>
+        <p:cNvPr id="1" name=""/>
+        <p:cNvGrpSpPr/>
+        <p:nvPr/>
+      </p:nvGrpSpPr>
+      <p:grpSpPr>
+        <a:xfrm>
+          <a:off x="0" y="0"/>
+          <a:ext cx="0" cy="0"/>
+          <a:chOff x="0" y="0"/>
+          <a:chExt cx="0" cy="0"/>
+        </a:xfrm>
+      </p:grpSpPr>
+      <p:sp>
+        <p:nvSpPr>
+          <p:cNvPr id="8" name="Rectangle 7"/>
+          <p:cNvSpPr/>
+          <p:nvPr/>
+        </p:nvSpPr>
+        <p:spPr>
+          <a:xfrm>
+            <a:off x="281354" y="1134208"/>
+            <a:ext cx="11526715" cy="5037992"/>
+          </a:xfrm>
+          <a:prstGeom prst="rect">
+            <a:avLst/>
+          </a:prstGeom>
+        </p:spPr>
+        <p:style>
+          <a:lnRef idx="2">
+            <a:schemeClr val="accent1"/>
+          </a:lnRef>
+          <a:fillRef idx="1">
+            <a:schemeClr val="lt1"/>
+          </a:fillRef>
+          <a:effectRef idx="0">
+            <a:schemeClr val="accent1"/>
+          </a:effectRef>
+          <a:fontRef idx="minor">
+            <a:schemeClr val="dk1"/>
+          </a:fontRef>
+        </p:style>
+        <p:txBody>
+          <a:bodyPr rtlCol="0" anchor="ctr"/>
+          <a:lstStyle/>
+          <a:p>
+            <a:pPr algn="ctr"/>
+            <a:endParaRPr lang="en-IN"/>
+          </a:p>
+        </p:txBody>
+      </p:sp>
+      <p:sp>
+        <p:nvSpPr>
+          <p:cNvPr id="2" name="TextBox 1"/>
+          <p:cNvSpPr txBox="1"/>
+          <p:nvPr/>
+        </p:nvSpPr>
+        <p:spPr>
+          <a:xfrm>
+            <a:off x="281354" y="307731"/>
+            <a:ext cx="11910646" cy="707886"/>
+          </a:xfrm>
+          <a:prstGeom prst="rect">
+            <a:avLst/>
+          </a:prstGeom>
+          <a:noFill/>
+        </p:spPr>
+        <p:txBody>
+          <a:bodyPr wrap="square" rtlCol="0">
+            <a:spAutoFit/>
+          </a:bodyPr>
+          <a:lstStyle/>
+          <a:p>
+            <a:r>
+              <a:rPr lang="en-IN" sz="4000" b="1" dirty="0" smtClean="0">
+                <a:hlinkClick r:id="rId2"/>
+              </a:rPr>
+              <a:t>Contains Duplicate</a:t>
+            </a:r>
+            <a:endParaRPr lang="en-IN" sz="4000" dirty="0"/>
+          </a:p>
+        </p:txBody>
+      </p:sp>
+      <p:pic>
+        <p:nvPicPr>
+          <p:cNvPr id="7" name="Picture 6"/>
+          <p:cNvPicPr>
+            <a:picLocks noChangeAspect="1"/>
+          </p:cNvPicPr>
+          <p:nvPr/>
+        </p:nvPicPr>
+        <p:blipFill>
+          <a:blip r:embed="rId3"/>
+          <a:stretch>
+            <a:fillRect/>
+          </a:stretch>
+        </p:blipFill>
+        <p:spPr>
+          <a:xfrm>
+            <a:off x="549518" y="1496106"/>
+            <a:ext cx="5495193" cy="3961594"/>
+          </a:xfrm>
+          <a:prstGeom prst="rect">
+            <a:avLst/>
+          </a:prstGeom>
+        </p:spPr>
+      </p:pic>
+      <p:pic>
+        <p:nvPicPr>
+          <p:cNvPr id="9" name="Picture 8"/>
+          <p:cNvPicPr>
+            <a:picLocks noChangeAspect="1"/>
+          </p:cNvPicPr>
+          <p:nvPr/>
+        </p:nvPicPr>
+        <p:blipFill>
+          <a:blip r:embed="rId4"/>
+          <a:stretch>
+            <a:fillRect/>
+          </a:stretch>
+        </p:blipFill>
+        <p:spPr>
+          <a:xfrm>
+            <a:off x="6464527" y="1496106"/>
+            <a:ext cx="5032296" cy="3961594"/>
+          </a:xfrm>
+          <a:prstGeom prst="rect">
+            <a:avLst/>
+          </a:prstGeom>
+        </p:spPr>
+      </p:pic>
+    </p:spTree>
+    <p:extLst>
+      <p:ext uri="{BB962C8B-B14F-4D97-AF65-F5344CB8AC3E}">
+        <p14:creationId xmlns:p14="http://schemas.microsoft.com/office/powerpoint/2010/main" val="3031536247"/>
+      </p:ext>
+    </p:extLst>
+  </p:cSld>
+  <p:clrMapOvr>
+    <a:masterClrMapping/>
+  </p:clrMapOvr>
+  <p:timing>
+    <p:tnLst>
+      <p:par>
+        <p:cTn id="1" dur="indefinite" restart="never" nodeType="tmRoot"/>
+      </p:par>
+    </p:tnLst>
+  </p:timing>
+</p:sld>
+</file>
+
+<file path=ppt/slides/slide4.xml><?xml version="1.0" encoding="utf-8"?>
+<p:sld xmlns:a="http://schemas.openxmlformats.org/drawingml/2006/main" xmlns:r="http://schemas.openxmlformats.org/officeDocument/2006/relationships" xmlns:p="http://schemas.openxmlformats.org/presentationml/2006/main">
+  <p:cSld>
+    <p:bg>
+      <p:bgPr>
+        <a:solidFill>
+          <a:srgbClr val="92D050">
+            <a:alpha val="26000"/>
+          </a:srgbClr>
+        </a:solidFill>
+        <a:effectLst/>
+      </p:bgPr>
+    </p:bg>
+    <p:spTree>
+      <p:nvGrpSpPr>
+        <p:cNvPr id="1" name=""/>
+        <p:cNvGrpSpPr/>
+        <p:nvPr/>
+      </p:nvGrpSpPr>
+      <p:grpSpPr>
+        <a:xfrm>
+          <a:off x="0" y="0"/>
+          <a:ext cx="0" cy="0"/>
+          <a:chOff x="0" y="0"/>
+          <a:chExt cx="0" cy="0"/>
+        </a:xfrm>
+      </p:grpSpPr>
+      <p:sp>
+        <p:nvSpPr>
+          <p:cNvPr id="3" name="TextBox 2"/>
+          <p:cNvSpPr txBox="1"/>
+          <p:nvPr/>
+        </p:nvSpPr>
+        <p:spPr>
+          <a:xfrm>
+            <a:off x="0" y="2294792"/>
+            <a:ext cx="12192000" cy="1200329"/>
+          </a:xfrm>
+          <a:prstGeom prst="rect">
+            <a:avLst/>
+          </a:prstGeom>
+          <a:noFill/>
+        </p:spPr>
+        <p:txBody>
+          <a:bodyPr wrap="square" rtlCol="0">
+            <a:spAutoFit/>
+          </a:bodyPr>
+          <a:lstStyle/>
+          <a:p>
+            <a:pPr lvl="1" algn="ctr"/>
+            <a:r>
+              <a:rPr lang="en-IN" sz="7200" dirty="0" smtClean="0">
+                <a:ln w="0"/>
+                <a:effectLst>
+                  <a:outerShdw blurRad="38100" dist="19050" dir="2700000" algn="tl" rotWithShape="0">
+                    <a:schemeClr val="dk1">
+                      <a:alpha val="40000"/>
+                    </a:schemeClr>
+                  </a:outerShdw>
+                </a:effectLst>
+              </a:rPr>
+              <a:t>Arrays - </a:t>
+            </a:r>
+            <a:r>
+              <a:rPr lang="en-IN" sz="7200" dirty="0">
+                <a:ln w="0"/>
+                <a:effectLst>
+                  <a:outerShdw blurRad="38100" dist="19050" dir="2700000" algn="tl" rotWithShape="0">
+                    <a:schemeClr val="dk1">
+                      <a:alpha val="40000"/>
+                    </a:schemeClr>
+                  </a:outerShdw>
+                </a:effectLst>
+              </a:rPr>
+              <a:t>Two </a:t>
+            </a:r>
+            <a:r>
+              <a:rPr lang="en-IN" sz="7200" dirty="0" smtClean="0">
+                <a:ln w="0"/>
+                <a:effectLst>
+                  <a:outerShdw blurRad="38100" dist="19050" dir="2700000" algn="tl" rotWithShape="0">
+                    <a:schemeClr val="dk1">
+                      <a:alpha val="40000"/>
+                    </a:schemeClr>
+                  </a:outerShdw>
+                </a:effectLst>
+              </a:rPr>
+              <a:t>Pointers</a:t>
+            </a:r>
+            <a:endParaRPr lang="en-IN" sz="7200" dirty="0">
+              <a:ln w="0"/>
+              <a:effectLst>
+                <a:outerShdw blurRad="38100" dist="19050" dir="2700000" algn="tl" rotWithShape="0">
+                  <a:schemeClr val="dk1">
+                    <a:alpha val="40000"/>
+                  </a:schemeClr>
+                </a:outerShdw>
+              </a:effectLst>
+            </a:endParaRPr>
+          </a:p>
+        </p:txBody>
+      </p:sp>
+    </p:spTree>
+    <p:extLst>
+      <p:ext uri="{BB962C8B-B14F-4D97-AF65-F5344CB8AC3E}">
+        <p14:creationId xmlns:p14="http://schemas.microsoft.com/office/powerpoint/2010/main" val="718562941"/>
+      </p:ext>
+    </p:extLst>
+  </p:cSld>
+  <p:clrMapOvr>
+    <a:masterClrMapping/>
+  </p:clrMapOvr>
+  <p:timing>
+    <p:tnLst>
+      <p:par>
+        <p:cTn id="1" dur="indefinite" restart="never" nodeType="tmRoot"/>
+      </p:par>
+    </p:tnLst>
+  </p:timing>
+</p:sld>
+</file>
+
+<file path=ppt/slides/slide5.xml><?xml version="1.0" encoding="utf-8"?>
+<p:sld xmlns:a="http://schemas.openxmlformats.org/drawingml/2006/main" xmlns:r="http://schemas.openxmlformats.org/officeDocument/2006/relationships" xmlns:p="http://schemas.openxmlformats.org/presentationml/2006/main">
+  <p:cSld>
+    <p:spTree>
+      <p:nvGrpSpPr>
+        <p:cNvPr id="1" name=""/>
+        <p:cNvGrpSpPr/>
+        <p:nvPr/>
+      </p:nvGrpSpPr>
+      <p:grpSpPr>
+        <a:xfrm>
+          <a:off x="0" y="0"/>
+          <a:ext cx="0" cy="0"/>
+          <a:chOff x="0" y="0"/>
+          <a:chExt cx="0" cy="0"/>
+        </a:xfrm>
+      </p:grpSpPr>
+      <p:sp>
+        <p:nvSpPr>
+          <p:cNvPr id="8" name="Rectangle 7"/>
+          <p:cNvSpPr/>
+          <p:nvPr/>
+        </p:nvSpPr>
+        <p:spPr>
+          <a:xfrm>
+            <a:off x="281354" y="1134208"/>
+            <a:ext cx="11526715" cy="5037992"/>
+          </a:xfrm>
+          <a:prstGeom prst="rect">
+            <a:avLst/>
+          </a:prstGeom>
+        </p:spPr>
+        <p:style>
+          <a:lnRef idx="2">
+            <a:schemeClr val="accent1"/>
+          </a:lnRef>
+          <a:fillRef idx="1">
+            <a:schemeClr val="lt1"/>
+          </a:fillRef>
+          <a:effectRef idx="0">
+            <a:schemeClr val="accent1"/>
+          </a:effectRef>
+          <a:fontRef idx="minor">
+            <a:schemeClr val="dk1"/>
+          </a:fontRef>
+        </p:style>
+        <p:txBody>
+          <a:bodyPr rtlCol="0" anchor="ctr"/>
+          <a:lstStyle/>
+          <a:p>
+            <a:pPr algn="ctr"/>
+            <a:endParaRPr lang="en-IN"/>
+          </a:p>
+        </p:txBody>
+      </p:sp>
+      <p:sp>
+        <p:nvSpPr>
+          <p:cNvPr id="2" name="TextBox 1"/>
+          <p:cNvSpPr txBox="1"/>
+          <p:nvPr/>
+        </p:nvSpPr>
+        <p:spPr>
+          <a:xfrm>
+            <a:off x="281354" y="307731"/>
+            <a:ext cx="11910646" cy="707886"/>
+          </a:xfrm>
+          <a:prstGeom prst="rect">
+            <a:avLst/>
+          </a:prstGeom>
+          <a:noFill/>
+        </p:spPr>
+        <p:txBody>
+          <a:bodyPr wrap="square" rtlCol="0">
+            <a:spAutoFit/>
+          </a:bodyPr>
+          <a:lstStyle/>
+          <a:p>
+            <a:r>
+              <a:rPr lang="en-US" sz="4000" b="1" dirty="0">
+                <a:hlinkClick r:id="rId2"/>
+              </a:rPr>
+              <a:t>Best Time to Buy and Sell Stock</a:t>
+            </a:r>
+            <a:endParaRPr lang="en-IN" sz="4000" dirty="0"/>
+          </a:p>
+        </p:txBody>
+      </p:sp>
+      <p:pic>
+        <p:nvPicPr>
+          <p:cNvPr id="4" name="Picture 3"/>
+          <p:cNvPicPr>
+            <a:picLocks noChangeAspect="1"/>
+          </p:cNvPicPr>
+          <p:nvPr/>
+        </p:nvPicPr>
+        <p:blipFill>
+          <a:blip r:embed="rId3"/>
+          <a:stretch>
+            <a:fillRect/>
+          </a:stretch>
+        </p:blipFill>
+        <p:spPr>
+          <a:xfrm>
+            <a:off x="574215" y="1501987"/>
+            <a:ext cx="6582723" cy="4302433"/>
+          </a:xfrm>
+          <a:prstGeom prst="rect">
+            <a:avLst/>
+          </a:prstGeom>
+        </p:spPr>
+      </p:pic>
+      <p:pic>
+        <p:nvPicPr>
+          <p:cNvPr id="5" name="Picture 4"/>
+          <p:cNvPicPr>
+            <a:picLocks noChangeAspect="1"/>
+          </p:cNvPicPr>
+          <p:nvPr/>
+        </p:nvPicPr>
+        <p:blipFill>
+          <a:blip r:embed="rId4"/>
+          <a:stretch>
+            <a:fillRect/>
+          </a:stretch>
+        </p:blipFill>
+        <p:spPr>
+          <a:xfrm>
+            <a:off x="7704287" y="1809718"/>
+            <a:ext cx="3556432" cy="3335583"/>
+          </a:xfrm>
+          <a:prstGeom prst="rect">
+            <a:avLst/>
+          </a:prstGeom>
+        </p:spPr>
+      </p:pic>
+    </p:spTree>
+    <p:extLst>
+      <p:ext uri="{BB962C8B-B14F-4D97-AF65-F5344CB8AC3E}">
+        <p14:creationId xmlns:p14="http://schemas.microsoft.com/office/powerpoint/2010/main" val="3759942548"/>
+      </p:ext>
+    </p:extLst>
+  </p:cSld>
+  <p:clrMapOvr>
+    <a:masterClrMapping/>
+  </p:clrMapOvr>
+  <p:timing>
+    <p:tnLst>
+      <p:par>
+        <p:cTn id="1" dur="indefinite" restart="never" nodeType="tmRoot"/>
+      </p:par>
+    </p:tnLst>
+  </p:timing>
+</p:sld>
+</file>
+
+<file path=ppt/slides/slide6.xml><?xml version="1.0" encoding="utf-8"?>
+<p:sld xmlns:a="http://schemas.openxmlformats.org/drawingml/2006/main" xmlns:r="http://schemas.openxmlformats.org/officeDocument/2006/relationships" xmlns:p="http://schemas.openxmlformats.org/presentationml/2006/main">
+  <p:cSld>
+    <p:spTree>
+      <p:nvGrpSpPr>
+        <p:cNvPr id="1" name=""/>
+        <p:cNvGrpSpPr/>
+        <p:nvPr/>
+      </p:nvGrpSpPr>
+      <p:grpSpPr>
+        <a:xfrm>
+          <a:off x="0" y="0"/>
+          <a:ext cx="0" cy="0"/>
+          <a:chOff x="0" y="0"/>
+          <a:chExt cx="0" cy="0"/>
+        </a:xfrm>
+      </p:grpSpPr>
+      <p:sp>
+        <p:nvSpPr>
+          <p:cNvPr id="8" name="Rectangle 7"/>
+          <p:cNvSpPr/>
+          <p:nvPr/>
+        </p:nvSpPr>
+        <p:spPr>
+          <a:xfrm>
+            <a:off x="281354" y="1151793"/>
+            <a:ext cx="11526715" cy="5037992"/>
+          </a:xfrm>
+          <a:prstGeom prst="rect">
+            <a:avLst/>
+          </a:prstGeom>
+        </p:spPr>
+        <p:style>
+          <a:lnRef idx="2">
+            <a:schemeClr val="accent1"/>
+          </a:lnRef>
+          <a:fillRef idx="1">
+            <a:schemeClr val="lt1"/>
+          </a:fillRef>
+          <a:effectRef idx="0">
+            <a:schemeClr val="accent1"/>
+          </a:effectRef>
+          <a:fontRef idx="minor">
+            <a:schemeClr val="dk1"/>
+          </a:fontRef>
+        </p:style>
+        <p:txBody>
+          <a:bodyPr rtlCol="0" anchor="ctr"/>
+          <a:lstStyle/>
+          <a:p>
+            <a:pPr algn="ctr"/>
+            <a:endParaRPr lang="en-IN"/>
+          </a:p>
+        </p:txBody>
+      </p:sp>
+      <p:sp>
+        <p:nvSpPr>
+          <p:cNvPr id="2" name="TextBox 1"/>
+          <p:cNvSpPr txBox="1"/>
+          <p:nvPr/>
+        </p:nvSpPr>
+        <p:spPr>
+          <a:xfrm>
+            <a:off x="281354" y="307731"/>
+            <a:ext cx="11910646" cy="707886"/>
+          </a:xfrm>
+          <a:prstGeom prst="rect">
+            <a:avLst/>
+          </a:prstGeom>
+          <a:noFill/>
+        </p:spPr>
+        <p:txBody>
+          <a:bodyPr wrap="square" rtlCol="0">
+            <a:spAutoFit/>
+          </a:bodyPr>
+          <a:lstStyle/>
+          <a:p>
+            <a:r>
+              <a:rPr lang="en-US" sz="4000" b="1" dirty="0">
+                <a:hlinkClick r:id="rId2"/>
+              </a:rPr>
+              <a:t>Squares of a Sorted </a:t>
+            </a:r>
+            <a:r>
+              <a:rPr lang="en-US" sz="4000" b="1" dirty="0" smtClean="0">
+                <a:hlinkClick r:id="rId2"/>
+              </a:rPr>
+              <a:t>Array</a:t>
+            </a:r>
+            <a:endParaRPr lang="en-US" sz="4000" b="1" dirty="0"/>
+          </a:p>
+        </p:txBody>
+      </p:sp>
+      <p:pic>
+        <p:nvPicPr>
+          <p:cNvPr id="7" name="Picture 6"/>
+          <p:cNvPicPr>
+            <a:picLocks noChangeAspect="1"/>
+          </p:cNvPicPr>
+          <p:nvPr/>
+        </p:nvPicPr>
+        <p:blipFill>
+          <a:blip r:embed="rId3"/>
+          <a:stretch>
+            <a:fillRect/>
+          </a:stretch>
+        </p:blipFill>
+        <p:spPr>
+          <a:xfrm>
+            <a:off x="605358" y="1587140"/>
+            <a:ext cx="4334547" cy="4132128"/>
+          </a:xfrm>
+          <a:prstGeom prst="rect">
+            <a:avLst/>
+          </a:prstGeom>
+        </p:spPr>
+      </p:pic>
+      <p:pic>
+        <p:nvPicPr>
+          <p:cNvPr id="9" name="Picture 8"/>
+          <p:cNvPicPr>
+            <a:picLocks noChangeAspect="1"/>
+          </p:cNvPicPr>
+          <p:nvPr/>
+        </p:nvPicPr>
+        <p:blipFill>
+          <a:blip r:embed="rId4"/>
+          <a:stretch>
+            <a:fillRect/>
+          </a:stretch>
+        </p:blipFill>
+        <p:spPr>
+          <a:xfrm>
+            <a:off x="7095391" y="1288899"/>
+            <a:ext cx="3516129" cy="4728609"/>
+          </a:xfrm>
+          <a:prstGeom prst="rect">
+            <a:avLst/>
+          </a:prstGeom>
+        </p:spPr>
+      </p:pic>
+    </p:spTree>
+    <p:extLst>
+      <p:ext uri="{BB962C8B-B14F-4D97-AF65-F5344CB8AC3E}">
+        <p14:creationId xmlns:p14="http://schemas.microsoft.com/office/powerpoint/2010/main" val="280513068"/>
+      </p:ext>
+    </p:extLst>
+  </p:cSld>
+  <p:clrMapOvr>
+    <a:masterClrMapping/>
+  </p:clrMapOvr>
+  <p:timing>
+    <p:tnLst>
+      <p:par>
+        <p:cTn id="1" dur="indefinite" restart="never" nodeType="tmRoot"/>
+      </p:par>
+    </p:tnLst>
+  </p:timing>
+</p:sld>
+</file>
+
+<file path=ppt/slides/slide7.xml><?xml version="1.0" encoding="utf-8"?>
+<p:sld xmlns:a="http://schemas.openxmlformats.org/drawingml/2006/main" xmlns:r="http://schemas.openxmlformats.org/officeDocument/2006/relationships" xmlns:p="http://schemas.openxmlformats.org/presentationml/2006/main">
+  <p:cSld>
+    <p:spTree>
+      <p:nvGrpSpPr>
+        <p:cNvPr id="1" name=""/>
+        <p:cNvGrpSpPr/>
+        <p:nvPr/>
+      </p:nvGrpSpPr>
+      <p:grpSpPr>
+        <a:xfrm>
+          <a:off x="0" y="0"/>
+          <a:ext cx="0" cy="0"/>
+          <a:chOff x="0" y="0"/>
+          <a:chExt cx="0" cy="0"/>
+        </a:xfrm>
+      </p:grpSpPr>
+      <p:sp>
+        <p:nvSpPr>
+          <p:cNvPr id="8" name="Rectangle 7"/>
+          <p:cNvSpPr/>
+          <p:nvPr/>
+        </p:nvSpPr>
+        <p:spPr>
+          <a:xfrm>
+            <a:off x="281354" y="1151792"/>
+            <a:ext cx="11526715" cy="5037992"/>
+          </a:xfrm>
+          <a:prstGeom prst="rect">
+            <a:avLst/>
+          </a:prstGeom>
+        </p:spPr>
+        <p:style>
+          <a:lnRef idx="2">
+            <a:schemeClr val="accent1"/>
+          </a:lnRef>
+          <a:fillRef idx="1">
+            <a:schemeClr val="lt1"/>
+          </a:fillRef>
+          <a:effectRef idx="0">
+            <a:schemeClr val="accent1"/>
+          </a:effectRef>
+          <a:fontRef idx="minor">
+            <a:schemeClr val="dk1"/>
+          </a:fontRef>
+        </p:style>
+        <p:txBody>
+          <a:bodyPr rtlCol="0" anchor="ctr"/>
+          <a:lstStyle/>
+          <a:p>
+            <a:pPr algn="ctr"/>
+            <a:endParaRPr lang="en-IN"/>
+          </a:p>
+        </p:txBody>
+      </p:sp>
+      <p:sp>
+        <p:nvSpPr>
+          <p:cNvPr id="2" name="TextBox 1"/>
+          <p:cNvSpPr txBox="1"/>
+          <p:nvPr/>
+        </p:nvSpPr>
+        <p:spPr>
+          <a:xfrm>
+            <a:off x="281354" y="307731"/>
+            <a:ext cx="11910646" cy="707886"/>
+          </a:xfrm>
+          <a:prstGeom prst="rect">
+            <a:avLst/>
+          </a:prstGeom>
+          <a:noFill/>
+        </p:spPr>
+        <p:txBody>
+          <a:bodyPr wrap="square" rtlCol="0">
+            <a:spAutoFit/>
+          </a:bodyPr>
+          <a:lstStyle/>
+          <a:p>
+            <a:r>
+              <a:rPr lang="en-IN" sz="4000" b="1" dirty="0">
+                <a:hlinkClick r:id="rId2"/>
+              </a:rPr>
+              <a:t>3Sum</a:t>
+            </a:r>
+            <a:endParaRPr lang="en-US" sz="4000" b="1" dirty="0"/>
+          </a:p>
+        </p:txBody>
+      </p:sp>
+      <p:pic>
+        <p:nvPicPr>
+          <p:cNvPr id="3" name="Picture 2"/>
+          <p:cNvPicPr>
+            <a:picLocks noChangeAspect="1"/>
+          </p:cNvPicPr>
+          <p:nvPr/>
+        </p:nvPicPr>
+        <p:blipFill>
+          <a:blip r:embed="rId3"/>
+          <a:stretch>
+            <a:fillRect/>
+          </a:stretch>
+        </p:blipFill>
+        <p:spPr>
+          <a:xfrm>
+            <a:off x="684641" y="1389185"/>
+            <a:ext cx="3759553" cy="4396154"/>
+          </a:xfrm>
+          <a:prstGeom prst="rect">
+            <a:avLst/>
+          </a:prstGeom>
+        </p:spPr>
+      </p:pic>
+      <p:pic>
+        <p:nvPicPr>
+          <p:cNvPr id="4" name="Picture 3"/>
+          <p:cNvPicPr>
+            <a:picLocks noChangeAspect="1"/>
+          </p:cNvPicPr>
+          <p:nvPr/>
+        </p:nvPicPr>
+        <p:blipFill>
+          <a:blip r:embed="rId4"/>
+          <a:stretch>
+            <a:fillRect/>
+          </a:stretch>
+        </p:blipFill>
+        <p:spPr>
+          <a:xfrm>
+            <a:off x="9450038" y="2117366"/>
+            <a:ext cx="1982231" cy="2048607"/>
+          </a:xfrm>
+          <a:prstGeom prst="rect">
+            <a:avLst/>
+          </a:prstGeom>
+        </p:spPr>
+      </p:pic>
+      <p:pic>
+        <p:nvPicPr>
+          <p:cNvPr id="5" name="Picture 4"/>
+          <p:cNvPicPr>
+            <a:picLocks noChangeAspect="1"/>
+          </p:cNvPicPr>
+          <p:nvPr/>
+        </p:nvPicPr>
+        <p:blipFill>
+          <a:blip r:embed="rId5"/>
+          <a:stretch>
+            <a:fillRect/>
+          </a:stretch>
+        </p:blipFill>
+        <p:spPr>
+          <a:xfrm>
+            <a:off x="4995383" y="1793632"/>
+            <a:ext cx="3727620" cy="2696077"/>
+          </a:xfrm>
+          <a:prstGeom prst="rect">
+            <a:avLst/>
+          </a:prstGeom>
+        </p:spPr>
+      </p:pic>
+    </p:spTree>
+    <p:extLst>
+      <p:ext uri="{BB962C8B-B14F-4D97-AF65-F5344CB8AC3E}">
+        <p14:creationId xmlns:p14="http://schemas.microsoft.com/office/powerpoint/2010/main" val="3009727423"/>
+      </p:ext>
+    </p:extLst>
+  </p:cSld>
+  <p:clrMapOvr>
+    <a:masterClrMapping/>
+  </p:clrMapOvr>
+  <p:timing>
+    <p:tnLst>
+      <p:par>
+        <p:cTn id="1" dur="indefinite" restart="never" nodeType="tmRoot"/>
+      </p:par>
+    </p:tnLst>
+  </p:timing>
+</p:sld>
+</file>
+
+<file path=ppt/slides/slide8.xml><?xml version="1.0" encoding="utf-8"?>
+<p:sld xmlns:a="http://schemas.openxmlformats.org/drawingml/2006/main" xmlns:r="http://schemas.openxmlformats.org/officeDocument/2006/relationships" xmlns:p="http://schemas.openxmlformats.org/presentationml/2006/main">
+  <p:cSld>
+    <p:spTree>
+      <p:nvGrpSpPr>
+        <p:cNvPr id="1" name=""/>
+        <p:cNvGrpSpPr/>
+        <p:nvPr/>
+      </p:nvGrpSpPr>
+      <p:grpSpPr>
+        <a:xfrm>
+          <a:off x="0" y="0"/>
+          <a:ext cx="0" cy="0"/>
+          <a:chOff x="0" y="0"/>
+          <a:chExt cx="0" cy="0"/>
+        </a:xfrm>
+      </p:grpSpPr>
+    </p:spTree>
+    <p:extLst>
+      <p:ext uri="{BB962C8B-B14F-4D97-AF65-F5344CB8AC3E}">
+        <p14:creationId xmlns:p14="http://schemas.microsoft.com/office/powerpoint/2010/main" val="132365955"/>
+      </p:ext>
+    </p:extLst>
+  </p:cSld>
+  <p:clrMapOvr>
+    <a:masterClrMapping/>
+  </p:clrMapOvr>
+  <p:timing>
+    <p:tnLst>
+      <p:par>
+        <p:cTn id="1" dur="indefinite" restart="never" nodeType="tmRoot"/>
+      </p:par>
+    </p:tnLst>
+  </p:timing>
 </p:sld>
 </file>
 

--- a/70 Leetcode problems in all topics.pptx
+++ b/70 Leetcode problems in all topics.pptx
@@ -5,7 +5,7 @@
     <p:sldMasterId id="2147483648" r:id="rId1"/>
   </p:sldMasterIdLst>
   <p:notesMasterIdLst>
-    <p:notesMasterId r:id="rId10"/>
+    <p:notesMasterId r:id="rId11"/>
   </p:notesMasterIdLst>
   <p:sldIdLst>
     <p:sldId id="257" r:id="rId2"/>
@@ -15,7 +15,8 @@
     <p:sldId id="262" r:id="rId6"/>
     <p:sldId id="263" r:id="rId7"/>
     <p:sldId id="264" r:id="rId8"/>
-    <p:sldId id="260" r:id="rId9"/>
+    <p:sldId id="265" r:id="rId9"/>
+    <p:sldId id="260" r:id="rId10"/>
   </p:sldIdLst>
   <p:sldSz cx="12192000" cy="6858000"/>
   <p:notesSz cx="6858000" cy="9144000"/>
@@ -204,7 +205,7 @@
           <a:p>
             <a:fld id="{F7A7A88A-BD69-4FB2-BF26-8B1A821B3245}" type="datetimeFigureOut">
               <a:rPr lang="en-IN" smtClean="0"/>
-              <a:t>26-12-2024</a:t>
+              <a:t>27-12-2024</a:t>
             </a:fld>
             <a:endParaRPr lang="en-IN"/>
           </a:p>
@@ -698,7 +699,7 @@
           <a:p>
             <a:fld id="{5A069CB8-F204-4D06-B913-C5A26A89888A}" type="datetimeFigureOut">
               <a:rPr lang="en-US" dirty="0"/>
-              <a:t>12/26/2024</a:t>
+              <a:t>12/27/2024</a:t>
             </a:fld>
             <a:endParaRPr lang="en-US" dirty="0"/>
           </a:p>
@@ -901,7 +902,7 @@
           <a:p>
             <a:fld id="{50B6E300-0A13-4A81-945A-7333C271A069}" type="datetimeFigureOut">
               <a:rPr lang="en-US" dirty="0"/>
-              <a:t>12/26/2024</a:t>
+              <a:t>12/27/2024</a:t>
             </a:fld>
             <a:endParaRPr lang="en-US" dirty="0"/>
           </a:p>
@@ -1152,7 +1153,7 @@
           <a:p>
             <a:fld id="{34671962-1EA4-46E7-BCB0-F36CE46D1A59}" type="datetimeFigureOut">
               <a:rPr lang="en-US" dirty="0"/>
-              <a:t>12/26/2024</a:t>
+              <a:t>12/27/2024</a:t>
             </a:fld>
             <a:endParaRPr lang="en-US" dirty="0"/>
           </a:p>
@@ -1317,7 +1318,7 @@
           <a:p>
             <a:fld id="{D30BB376-B19C-488D-ABEB-03C7E6E9E3E0}" type="datetimeFigureOut">
               <a:rPr lang="en-US" dirty="0"/>
-              <a:t>12/26/2024</a:t>
+              <a:t>12/27/2024</a:t>
             </a:fld>
             <a:endParaRPr lang="en-US" dirty="0"/>
           </a:p>
@@ -1655,7 +1656,7 @@
           <a:p>
             <a:fld id="{486F077B-A50F-4D64-8574-E2D6A98A5553}" type="datetimeFigureOut">
               <a:rPr lang="en-US" dirty="0"/>
-              <a:t>12/26/2024</a:t>
+              <a:t>12/27/2024</a:t>
             </a:fld>
             <a:endParaRPr lang="en-US" dirty="0"/>
           </a:p>
@@ -1925,7 +1926,7 @@
           <a:p>
             <a:fld id="{7D9E2A62-1983-43A1-A163-D8AA46534C80}" type="datetimeFigureOut">
               <a:rPr lang="en-US" dirty="0"/>
-              <a:t>12/26/2024</a:t>
+              <a:t>12/27/2024</a:t>
             </a:fld>
             <a:endParaRPr lang="en-US" dirty="0"/>
           </a:p>
@@ -2299,7 +2300,7 @@
           <a:p>
             <a:fld id="{898F3E3B-34E3-4345-B2A1-994B83598A9C}" type="datetimeFigureOut">
               <a:rPr lang="en-US" dirty="0"/>
-              <a:t>12/26/2024</a:t>
+              <a:t>12/27/2024</a:t>
             </a:fld>
             <a:endParaRPr lang="en-US" dirty="0"/>
           </a:p>
@@ -2412,7 +2413,7 @@
           <a:p>
             <a:fld id="{FD816C96-82A1-4D77-8ADA-627AC6FE3D65}" type="datetimeFigureOut">
               <a:rPr lang="en-US" dirty="0"/>
-              <a:t>12/26/2024</a:t>
+              <a:t>12/27/2024</a:t>
             </a:fld>
             <a:endParaRPr lang="en-US" dirty="0"/>
           </a:p>
@@ -2578,7 +2579,7 @@
           <a:p>
             <a:fld id="{1D102C1E-28F2-47E9-802D-339E64E2F920}" type="datetimeFigureOut">
               <a:rPr lang="en-US" dirty="0"/>
-              <a:t>12/26/2024</a:t>
+              <a:t>12/27/2024</a:t>
             </a:fld>
             <a:endParaRPr lang="en-US" dirty="0"/>
           </a:p>
@@ -2928,7 +2929,7 @@
           <a:p>
             <a:fld id="{24271A48-F18A-45B3-BC05-1E27DA3F88AF}" type="datetimeFigureOut">
               <a:rPr lang="en-US" dirty="0"/>
-              <a:t>12/26/2024</a:t>
+              <a:t>12/27/2024</a:t>
             </a:fld>
             <a:endParaRPr lang="en-US" dirty="0"/>
           </a:p>
@@ -3301,7 +3302,7 @@
           <a:p>
             <a:fld id="{65B747F8-9654-4282-85D2-65F41AAE7A75}" type="datetimeFigureOut">
               <a:rPr lang="en-US" dirty="0"/>
-              <a:t>12/26/2024</a:t>
+              <a:t>12/27/2024</a:t>
             </a:fld>
             <a:endParaRPr lang="en-US" dirty="0"/>
           </a:p>
@@ -3583,7 +3584,7 @@
           <a:p>
             <a:fld id="{5DC5B261-8843-42D1-AAFC-05E20E2D9B97}" type="datetimeFigureOut">
               <a:rPr lang="en-US" dirty="0"/>
-              <a:t>12/26/2024</a:t>
+              <a:t>12/27/2024</a:t>
             </a:fld>
             <a:endParaRPr lang="en-US" dirty="0"/>
           </a:p>
@@ -5079,6 +5080,185 @@
 </file>
 
 <file path=ppt/slides/slide8.xml><?xml version="1.0" encoding="utf-8"?>
+<p:sld xmlns:a="http://schemas.openxmlformats.org/drawingml/2006/main" xmlns:r="http://schemas.openxmlformats.org/officeDocument/2006/relationships" xmlns:p="http://schemas.openxmlformats.org/presentationml/2006/main">
+  <p:cSld>
+    <p:spTree>
+      <p:nvGrpSpPr>
+        <p:cNvPr id="1" name=""/>
+        <p:cNvGrpSpPr/>
+        <p:nvPr/>
+      </p:nvGrpSpPr>
+      <p:grpSpPr>
+        <a:xfrm>
+          <a:off x="0" y="0"/>
+          <a:ext cx="0" cy="0"/>
+          <a:chOff x="0" y="0"/>
+          <a:chExt cx="0" cy="0"/>
+        </a:xfrm>
+      </p:grpSpPr>
+      <p:sp>
+        <p:nvSpPr>
+          <p:cNvPr id="8" name="Rectangle 7"/>
+          <p:cNvSpPr/>
+          <p:nvPr/>
+        </p:nvSpPr>
+        <p:spPr>
+          <a:xfrm>
+            <a:off x="281354" y="1151792"/>
+            <a:ext cx="11526715" cy="5037992"/>
+          </a:xfrm>
+          <a:prstGeom prst="rect">
+            <a:avLst/>
+          </a:prstGeom>
+        </p:spPr>
+        <p:style>
+          <a:lnRef idx="2">
+            <a:schemeClr val="accent1"/>
+          </a:lnRef>
+          <a:fillRef idx="1">
+            <a:schemeClr val="lt1"/>
+          </a:fillRef>
+          <a:effectRef idx="0">
+            <a:schemeClr val="accent1"/>
+          </a:effectRef>
+          <a:fontRef idx="minor">
+            <a:schemeClr val="dk1"/>
+          </a:fontRef>
+        </p:style>
+        <p:txBody>
+          <a:bodyPr rtlCol="0" anchor="ctr"/>
+          <a:lstStyle/>
+          <a:p>
+            <a:pPr algn="ctr"/>
+            <a:endParaRPr lang="en-IN"/>
+          </a:p>
+        </p:txBody>
+      </p:sp>
+      <p:sp>
+        <p:nvSpPr>
+          <p:cNvPr id="2" name="TextBox 1"/>
+          <p:cNvSpPr txBox="1"/>
+          <p:nvPr/>
+        </p:nvSpPr>
+        <p:spPr>
+          <a:xfrm>
+            <a:off x="281354" y="270408"/>
+            <a:ext cx="11910646" cy="707886"/>
+          </a:xfrm>
+          <a:prstGeom prst="rect">
+            <a:avLst/>
+          </a:prstGeom>
+          <a:noFill/>
+        </p:spPr>
+        <p:txBody>
+          <a:bodyPr wrap="square" rtlCol="0">
+            <a:spAutoFit/>
+          </a:bodyPr>
+          <a:lstStyle/>
+          <a:p>
+            <a:r>
+              <a:rPr lang="en-IN" sz="4000" b="1" dirty="0">
+                <a:hlinkClick r:id="rId2"/>
+              </a:rPr>
+              <a:t>Longest Mountain in Array</a:t>
+            </a:r>
+            <a:endParaRPr lang="en-US" sz="4000" b="1" dirty="0"/>
+          </a:p>
+        </p:txBody>
+      </p:sp>
+      <p:pic>
+        <p:nvPicPr>
+          <p:cNvPr id="6" name="Picture 5"/>
+          <p:cNvPicPr>
+            <a:picLocks noChangeAspect="1"/>
+          </p:cNvPicPr>
+          <p:nvPr/>
+        </p:nvPicPr>
+        <p:blipFill>
+          <a:blip r:embed="rId3"/>
+          <a:stretch>
+            <a:fillRect/>
+          </a:stretch>
+        </p:blipFill>
+        <p:spPr>
+          <a:xfrm>
+            <a:off x="578499" y="1630746"/>
+            <a:ext cx="3933569" cy="3448129"/>
+          </a:xfrm>
+          <a:prstGeom prst="rect">
+            <a:avLst/>
+          </a:prstGeom>
+        </p:spPr>
+      </p:pic>
+      <p:pic>
+        <p:nvPicPr>
+          <p:cNvPr id="7" name="Picture 6"/>
+          <p:cNvPicPr>
+            <a:picLocks noChangeAspect="1"/>
+          </p:cNvPicPr>
+          <p:nvPr/>
+        </p:nvPicPr>
+        <p:blipFill>
+          <a:blip r:embed="rId4"/>
+          <a:stretch>
+            <a:fillRect/>
+          </a:stretch>
+        </p:blipFill>
+        <p:spPr>
+          <a:xfrm>
+            <a:off x="8928712" y="2086538"/>
+            <a:ext cx="2776721" cy="2317511"/>
+          </a:xfrm>
+          <a:prstGeom prst="rect">
+            <a:avLst/>
+          </a:prstGeom>
+        </p:spPr>
+      </p:pic>
+      <p:pic>
+        <p:nvPicPr>
+          <p:cNvPr id="9" name="Picture 8"/>
+          <p:cNvPicPr>
+            <a:picLocks noChangeAspect="1"/>
+          </p:cNvPicPr>
+          <p:nvPr/>
+        </p:nvPicPr>
+        <p:blipFill>
+          <a:blip r:embed="rId5"/>
+          <a:stretch>
+            <a:fillRect/>
+          </a:stretch>
+        </p:blipFill>
+        <p:spPr>
+          <a:xfrm>
+            <a:off x="4669040" y="1761033"/>
+            <a:ext cx="4102699" cy="2968520"/>
+          </a:xfrm>
+          <a:prstGeom prst="rect">
+            <a:avLst/>
+          </a:prstGeom>
+        </p:spPr>
+      </p:pic>
+    </p:spTree>
+    <p:extLst>
+      <p:ext uri="{BB962C8B-B14F-4D97-AF65-F5344CB8AC3E}">
+        <p14:creationId xmlns:p14="http://schemas.microsoft.com/office/powerpoint/2010/main" val="1292657301"/>
+      </p:ext>
+    </p:extLst>
+  </p:cSld>
+  <p:clrMapOvr>
+    <a:masterClrMapping/>
+  </p:clrMapOvr>
+  <p:timing>
+    <p:tnLst>
+      <p:par>
+        <p:cTn id="1" dur="indefinite" restart="never" nodeType="tmRoot"/>
+      </p:par>
+    </p:tnLst>
+  </p:timing>
+</p:sld>
+</file>
+
+<file path=ppt/slides/slide9.xml><?xml version="1.0" encoding="utf-8"?>
 <p:sld xmlns:a="http://schemas.openxmlformats.org/drawingml/2006/main" xmlns:r="http://schemas.openxmlformats.org/officeDocument/2006/relationships" xmlns:p="http://schemas.openxmlformats.org/presentationml/2006/main">
   <p:cSld>
     <p:spTree>

--- a/70 Leetcode problems in all topics.pptx
+++ b/70 Leetcode problems in all topics.pptx
@@ -5,7 +5,7 @@
     <p:sldMasterId id="2147483648" r:id="rId1"/>
   </p:sldMasterIdLst>
   <p:notesMasterIdLst>
-    <p:notesMasterId r:id="rId11"/>
+    <p:notesMasterId r:id="rId13"/>
   </p:notesMasterIdLst>
   <p:sldIdLst>
     <p:sldId id="257" r:id="rId2"/>
@@ -16,7 +16,9 @@
     <p:sldId id="263" r:id="rId7"/>
     <p:sldId id="264" r:id="rId8"/>
     <p:sldId id="265" r:id="rId9"/>
-    <p:sldId id="260" r:id="rId10"/>
+    <p:sldId id="266" r:id="rId10"/>
+    <p:sldId id="267" r:id="rId11"/>
+    <p:sldId id="260" r:id="rId12"/>
   </p:sldIdLst>
   <p:sldSz cx="12192000" cy="6858000"/>
   <p:notesSz cx="6858000" cy="9144000"/>
@@ -205,7 +207,7 @@
           <a:p>
             <a:fld id="{F7A7A88A-BD69-4FB2-BF26-8B1A821B3245}" type="datetimeFigureOut">
               <a:rPr lang="en-IN" smtClean="0"/>
-              <a:t>27-12-2024</a:t>
+              <a:t>28-12-2024</a:t>
             </a:fld>
             <a:endParaRPr lang="en-IN"/>
           </a:p>
@@ -699,7 +701,7 @@
           <a:p>
             <a:fld id="{5A069CB8-F204-4D06-B913-C5A26A89888A}" type="datetimeFigureOut">
               <a:rPr lang="en-US" dirty="0"/>
-              <a:t>12/27/2024</a:t>
+              <a:t>12/28/2024</a:t>
             </a:fld>
             <a:endParaRPr lang="en-US" dirty="0"/>
           </a:p>
@@ -902,7 +904,7 @@
           <a:p>
             <a:fld id="{50B6E300-0A13-4A81-945A-7333C271A069}" type="datetimeFigureOut">
               <a:rPr lang="en-US" dirty="0"/>
-              <a:t>12/27/2024</a:t>
+              <a:t>12/28/2024</a:t>
             </a:fld>
             <a:endParaRPr lang="en-US" dirty="0"/>
           </a:p>
@@ -1153,7 +1155,7 @@
           <a:p>
             <a:fld id="{34671962-1EA4-46E7-BCB0-F36CE46D1A59}" type="datetimeFigureOut">
               <a:rPr lang="en-US" dirty="0"/>
-              <a:t>12/27/2024</a:t>
+              <a:t>12/28/2024</a:t>
             </a:fld>
             <a:endParaRPr lang="en-US" dirty="0"/>
           </a:p>
@@ -1318,7 +1320,7 @@
           <a:p>
             <a:fld id="{D30BB376-B19C-488D-ABEB-03C7E6E9E3E0}" type="datetimeFigureOut">
               <a:rPr lang="en-US" dirty="0"/>
-              <a:t>12/27/2024</a:t>
+              <a:t>12/28/2024</a:t>
             </a:fld>
             <a:endParaRPr lang="en-US" dirty="0"/>
           </a:p>
@@ -1656,7 +1658,7 @@
           <a:p>
             <a:fld id="{486F077B-A50F-4D64-8574-E2D6A98A5553}" type="datetimeFigureOut">
               <a:rPr lang="en-US" dirty="0"/>
-              <a:t>12/27/2024</a:t>
+              <a:t>12/28/2024</a:t>
             </a:fld>
             <a:endParaRPr lang="en-US" dirty="0"/>
           </a:p>
@@ -1926,7 +1928,7 @@
           <a:p>
             <a:fld id="{7D9E2A62-1983-43A1-A163-D8AA46534C80}" type="datetimeFigureOut">
               <a:rPr lang="en-US" dirty="0"/>
-              <a:t>12/27/2024</a:t>
+              <a:t>12/28/2024</a:t>
             </a:fld>
             <a:endParaRPr lang="en-US" dirty="0"/>
           </a:p>
@@ -2300,7 +2302,7 @@
           <a:p>
             <a:fld id="{898F3E3B-34E3-4345-B2A1-994B83598A9C}" type="datetimeFigureOut">
               <a:rPr lang="en-US" dirty="0"/>
-              <a:t>12/27/2024</a:t>
+              <a:t>12/28/2024</a:t>
             </a:fld>
             <a:endParaRPr lang="en-US" dirty="0"/>
           </a:p>
@@ -2413,7 +2415,7 @@
           <a:p>
             <a:fld id="{FD816C96-82A1-4D77-8ADA-627AC6FE3D65}" type="datetimeFigureOut">
               <a:rPr lang="en-US" dirty="0"/>
-              <a:t>12/27/2024</a:t>
+              <a:t>12/28/2024</a:t>
             </a:fld>
             <a:endParaRPr lang="en-US" dirty="0"/>
           </a:p>
@@ -2579,7 +2581,7 @@
           <a:p>
             <a:fld id="{1D102C1E-28F2-47E9-802D-339E64E2F920}" type="datetimeFigureOut">
               <a:rPr lang="en-US" dirty="0"/>
-              <a:t>12/27/2024</a:t>
+              <a:t>12/28/2024</a:t>
             </a:fld>
             <a:endParaRPr lang="en-US" dirty="0"/>
           </a:p>
@@ -2929,7 +2931,7 @@
           <a:p>
             <a:fld id="{24271A48-F18A-45B3-BC05-1E27DA3F88AF}" type="datetimeFigureOut">
               <a:rPr lang="en-US" dirty="0"/>
-              <a:t>12/27/2024</a:t>
+              <a:t>12/28/2024</a:t>
             </a:fld>
             <a:endParaRPr lang="en-US" dirty="0"/>
           </a:p>
@@ -3302,7 +3304,7 @@
           <a:p>
             <a:fld id="{65B747F8-9654-4282-85D2-65F41AAE7A75}" type="datetimeFigureOut">
               <a:rPr lang="en-US" dirty="0"/>
-              <a:t>12/27/2024</a:t>
+              <a:t>12/28/2024</a:t>
             </a:fld>
             <a:endParaRPr lang="en-US" dirty="0"/>
           </a:p>
@@ -3584,7 +3586,7 @@
           <a:p>
             <a:fld id="{5DC5B261-8843-42D1-AAFC-05E20E2D9B97}" type="datetimeFigureOut">
               <a:rPr lang="en-US" dirty="0"/>
-              <a:t>12/27/2024</a:t>
+              <a:t>12/28/2024</a:t>
             </a:fld>
             <a:endParaRPr lang="en-US" dirty="0"/>
           </a:p>
@@ -4213,6 +4215,222 @@
 </p:sld>
 </file>
 
+<file path=ppt/slides/slide10.xml><?xml version="1.0" encoding="utf-8"?>
+<p:sld xmlns:a="http://schemas.openxmlformats.org/drawingml/2006/main" xmlns:r="http://schemas.openxmlformats.org/officeDocument/2006/relationships" xmlns:p="http://schemas.openxmlformats.org/presentationml/2006/main">
+  <p:cSld>
+    <p:spTree>
+      <p:nvGrpSpPr>
+        <p:cNvPr id="1" name=""/>
+        <p:cNvGrpSpPr/>
+        <p:nvPr/>
+      </p:nvGrpSpPr>
+      <p:grpSpPr>
+        <a:xfrm>
+          <a:off x="0" y="0"/>
+          <a:ext cx="0" cy="0"/>
+          <a:chOff x="0" y="0"/>
+          <a:chExt cx="0" cy="0"/>
+        </a:xfrm>
+      </p:grpSpPr>
+      <p:sp>
+        <p:nvSpPr>
+          <p:cNvPr id="8" name="Rectangle 7"/>
+          <p:cNvSpPr/>
+          <p:nvPr/>
+        </p:nvSpPr>
+        <p:spPr>
+          <a:xfrm>
+            <a:off x="281354" y="1151792"/>
+            <a:ext cx="11526715" cy="5037992"/>
+          </a:xfrm>
+          <a:prstGeom prst="rect">
+            <a:avLst/>
+          </a:prstGeom>
+        </p:spPr>
+        <p:style>
+          <a:lnRef idx="2">
+            <a:schemeClr val="accent1"/>
+          </a:lnRef>
+          <a:fillRef idx="1">
+            <a:schemeClr val="lt1"/>
+          </a:fillRef>
+          <a:effectRef idx="0">
+            <a:schemeClr val="accent1"/>
+          </a:effectRef>
+          <a:fontRef idx="minor">
+            <a:schemeClr val="dk1"/>
+          </a:fontRef>
+        </p:style>
+        <p:txBody>
+          <a:bodyPr rtlCol="0" anchor="ctr"/>
+          <a:lstStyle/>
+          <a:p>
+            <a:pPr algn="ctr"/>
+            <a:endParaRPr lang="en-IN"/>
+          </a:p>
+        </p:txBody>
+      </p:sp>
+      <p:sp>
+        <p:nvSpPr>
+          <p:cNvPr id="2" name="TextBox 1"/>
+          <p:cNvSpPr txBox="1"/>
+          <p:nvPr/>
+        </p:nvSpPr>
+        <p:spPr>
+          <a:xfrm>
+            <a:off x="281354" y="270408"/>
+            <a:ext cx="11910646" cy="707886"/>
+          </a:xfrm>
+          <a:prstGeom prst="rect">
+            <a:avLst/>
+          </a:prstGeom>
+          <a:noFill/>
+        </p:spPr>
+        <p:txBody>
+          <a:bodyPr wrap="square" rtlCol="0">
+            <a:spAutoFit/>
+          </a:bodyPr>
+          <a:lstStyle/>
+          <a:p>
+            <a:r>
+              <a:rPr lang="en-IN" sz="4000" b="1" dirty="0">
+                <a:hlinkClick r:id="rId2"/>
+              </a:rPr>
+              <a:t>Contains Duplicate II</a:t>
+            </a:r>
+            <a:endParaRPr lang="en-US" sz="4000" b="1" dirty="0"/>
+          </a:p>
+        </p:txBody>
+      </p:sp>
+      <p:pic>
+        <p:nvPicPr>
+          <p:cNvPr id="3" name="Picture 2"/>
+          <p:cNvPicPr>
+            <a:picLocks noChangeAspect="1"/>
+          </p:cNvPicPr>
+          <p:nvPr/>
+        </p:nvPicPr>
+        <p:blipFill>
+          <a:blip r:embed="rId3"/>
+          <a:stretch>
+            <a:fillRect/>
+          </a:stretch>
+        </p:blipFill>
+        <p:spPr>
+          <a:xfrm>
+            <a:off x="457200" y="1690620"/>
+            <a:ext cx="4131926" cy="3563313"/>
+          </a:xfrm>
+          <a:prstGeom prst="rect">
+            <a:avLst/>
+          </a:prstGeom>
+        </p:spPr>
+      </p:pic>
+      <p:pic>
+        <p:nvPicPr>
+          <p:cNvPr id="4" name="Picture 3"/>
+          <p:cNvPicPr>
+            <a:picLocks noChangeAspect="1"/>
+          </p:cNvPicPr>
+          <p:nvPr/>
+        </p:nvPicPr>
+        <p:blipFill>
+          <a:blip r:embed="rId4"/>
+          <a:stretch>
+            <a:fillRect/>
+          </a:stretch>
+        </p:blipFill>
+        <p:spPr>
+          <a:xfrm>
+            <a:off x="8537455" y="2333914"/>
+            <a:ext cx="3187698" cy="2216732"/>
+          </a:xfrm>
+          <a:prstGeom prst="rect">
+            <a:avLst/>
+          </a:prstGeom>
+        </p:spPr>
+      </p:pic>
+      <p:pic>
+        <p:nvPicPr>
+          <p:cNvPr id="5" name="Picture 4"/>
+          <p:cNvPicPr>
+            <a:picLocks noChangeAspect="1"/>
+          </p:cNvPicPr>
+          <p:nvPr/>
+        </p:nvPicPr>
+        <p:blipFill>
+          <a:blip r:embed="rId5"/>
+          <a:stretch>
+            <a:fillRect/>
+          </a:stretch>
+        </p:blipFill>
+        <p:spPr>
+          <a:xfrm>
+            <a:off x="4764972" y="1968046"/>
+            <a:ext cx="3416003" cy="2599287"/>
+          </a:xfrm>
+          <a:prstGeom prst="rect">
+            <a:avLst/>
+          </a:prstGeom>
+        </p:spPr>
+      </p:pic>
+    </p:spTree>
+    <p:extLst>
+      <p:ext uri="{BB962C8B-B14F-4D97-AF65-F5344CB8AC3E}">
+        <p14:creationId xmlns:p14="http://schemas.microsoft.com/office/powerpoint/2010/main" val="1943081827"/>
+      </p:ext>
+    </p:extLst>
+  </p:cSld>
+  <p:clrMapOvr>
+    <a:masterClrMapping/>
+  </p:clrMapOvr>
+  <p:timing>
+    <p:tnLst>
+      <p:par>
+        <p:cTn id="1" dur="indefinite" restart="never" nodeType="tmRoot"/>
+      </p:par>
+    </p:tnLst>
+  </p:timing>
+</p:sld>
+</file>
+
+<file path=ppt/slides/slide11.xml><?xml version="1.0" encoding="utf-8"?>
+<p:sld xmlns:a="http://schemas.openxmlformats.org/drawingml/2006/main" xmlns:r="http://schemas.openxmlformats.org/officeDocument/2006/relationships" xmlns:p="http://schemas.openxmlformats.org/presentationml/2006/main">
+  <p:cSld>
+    <p:spTree>
+      <p:nvGrpSpPr>
+        <p:cNvPr id="1" name=""/>
+        <p:cNvGrpSpPr/>
+        <p:nvPr/>
+      </p:nvGrpSpPr>
+      <p:grpSpPr>
+        <a:xfrm>
+          <a:off x="0" y="0"/>
+          <a:ext cx="0" cy="0"/>
+          <a:chOff x="0" y="0"/>
+          <a:chExt cx="0" cy="0"/>
+        </a:xfrm>
+      </p:grpSpPr>
+    </p:spTree>
+    <p:extLst>
+      <p:ext uri="{BB962C8B-B14F-4D97-AF65-F5344CB8AC3E}">
+        <p14:creationId xmlns:p14="http://schemas.microsoft.com/office/powerpoint/2010/main" val="132365955"/>
+      </p:ext>
+    </p:extLst>
+  </p:cSld>
+  <p:clrMapOvr>
+    <a:masterClrMapping/>
+  </p:clrMapOvr>
+  <p:timing>
+    <p:tnLst>
+      <p:par>
+        <p:cTn id="1" dur="indefinite" restart="never" nodeType="tmRoot"/>
+      </p:par>
+    </p:tnLst>
+  </p:timing>
+</p:sld>
+</file>
+
 <file path=ppt/slides/slide2.xml><?xml version="1.0" encoding="utf-8"?>
 <p:sld xmlns:a="http://schemas.openxmlformats.org/drawingml/2006/main" xmlns:r="http://schemas.openxmlformats.org/officeDocument/2006/relationships" xmlns:p="http://schemas.openxmlformats.org/presentationml/2006/main">
   <p:cSld>
@@ -5261,6 +5479,16 @@
 <file path=ppt/slides/slide9.xml><?xml version="1.0" encoding="utf-8"?>
 <p:sld xmlns:a="http://schemas.openxmlformats.org/drawingml/2006/main" xmlns:r="http://schemas.openxmlformats.org/officeDocument/2006/relationships" xmlns:p="http://schemas.openxmlformats.org/presentationml/2006/main">
   <p:cSld>
+    <p:bg>
+      <p:bgPr>
+        <a:solidFill>
+          <a:srgbClr val="92D050">
+            <a:alpha val="26000"/>
+          </a:srgbClr>
+        </a:solidFill>
+        <a:effectLst/>
+      </p:bgPr>
+    </p:bg>
     <p:spTree>
       <p:nvGrpSpPr>
         <p:cNvPr id="1" name=""/>
@@ -5275,10 +5503,72 @@
           <a:chExt cx="0" cy="0"/>
         </a:xfrm>
       </p:grpSpPr>
+      <p:sp>
+        <p:nvSpPr>
+          <p:cNvPr id="3" name="TextBox 2"/>
+          <p:cNvSpPr txBox="1"/>
+          <p:nvPr/>
+        </p:nvSpPr>
+        <p:spPr>
+          <a:xfrm>
+            <a:off x="0" y="2294792"/>
+            <a:ext cx="12192000" cy="1200329"/>
+          </a:xfrm>
+          <a:prstGeom prst="rect">
+            <a:avLst/>
+          </a:prstGeom>
+          <a:noFill/>
+        </p:spPr>
+        <p:txBody>
+          <a:bodyPr wrap="square" rtlCol="0">
+            <a:spAutoFit/>
+          </a:bodyPr>
+          <a:lstStyle/>
+          <a:p>
+            <a:pPr lvl="1" algn="ctr"/>
+            <a:r>
+              <a:rPr lang="en-IN" sz="7200" dirty="0" smtClean="0">
+                <a:ln w="0"/>
+                <a:effectLst>
+                  <a:outerShdw blurRad="38100" dist="19050" dir="2700000" algn="tl" rotWithShape="0">
+                    <a:schemeClr val="dk1">
+                      <a:alpha val="40000"/>
+                    </a:schemeClr>
+                  </a:outerShdw>
+                </a:effectLst>
+              </a:rPr>
+              <a:t>Arrays </a:t>
+            </a:r>
+            <a:r>
+              <a:rPr lang="en-IN" sz="7200" dirty="0" smtClean="0">
+                <a:ln w="0"/>
+                <a:effectLst>
+                  <a:outerShdw blurRad="38100" dist="19050" dir="2700000" algn="tl" rotWithShape="0">
+                    <a:schemeClr val="dk1">
+                      <a:alpha val="40000"/>
+                    </a:schemeClr>
+                  </a:outerShdw>
+                </a:effectLst>
+              </a:rPr>
+              <a:t>– Sliding Window</a:t>
+            </a:r>
+            <a:endParaRPr lang="en-IN" sz="7200" dirty="0">
+              <a:ln w="0"/>
+              <a:effectLst>
+                <a:outerShdw blurRad="38100" dist="19050" dir="2700000" algn="tl" rotWithShape="0">
+                  <a:schemeClr val="dk1">
+                    <a:alpha val="40000"/>
+                  </a:schemeClr>
+                </a:outerShdw>
+              </a:effectLst>
+            </a:endParaRPr>
+          </a:p>
+        </p:txBody>
+      </p:sp>
     </p:spTree>
     <p:extLst>
       <p:ext uri="{BB962C8B-B14F-4D97-AF65-F5344CB8AC3E}">
-        <p14:creationId xmlns:p14="http://schemas.microsoft.com/office/powerpoint/2010/main" val="132365955"/>
+        <p14:creationId xmlns:p14="http://schemas.microsoft.com/office/powerpoint/2010/main" val="2038786176"/>
       </p:ext>
     </p:extLst>
   </p:cSld>

--- a/70 Leetcode problems in all topics.pptx
+++ b/70 Leetcode problems in all topics.pptx
@@ -5,7 +5,7 @@
     <p:sldMasterId id="2147483648" r:id="rId1"/>
   </p:sldMasterIdLst>
   <p:notesMasterIdLst>
-    <p:notesMasterId r:id="rId13"/>
+    <p:notesMasterId r:id="rId14"/>
   </p:notesMasterIdLst>
   <p:sldIdLst>
     <p:sldId id="257" r:id="rId2"/>
@@ -18,7 +18,8 @@
     <p:sldId id="265" r:id="rId9"/>
     <p:sldId id="266" r:id="rId10"/>
     <p:sldId id="267" r:id="rId11"/>
-    <p:sldId id="260" r:id="rId12"/>
+    <p:sldId id="268" r:id="rId12"/>
+    <p:sldId id="260" r:id="rId13"/>
   </p:sldIdLst>
   <p:sldSz cx="12192000" cy="6858000"/>
   <p:notesSz cx="6858000" cy="9144000"/>
@@ -207,7 +208,7 @@
           <a:p>
             <a:fld id="{F7A7A88A-BD69-4FB2-BF26-8B1A821B3245}" type="datetimeFigureOut">
               <a:rPr lang="en-IN" smtClean="0"/>
-              <a:t>28-12-2024</a:t>
+              <a:t>29-12-2024</a:t>
             </a:fld>
             <a:endParaRPr lang="en-IN"/>
           </a:p>
@@ -701,7 +702,7 @@
           <a:p>
             <a:fld id="{5A069CB8-F204-4D06-B913-C5A26A89888A}" type="datetimeFigureOut">
               <a:rPr lang="en-US" dirty="0"/>
-              <a:t>12/28/2024</a:t>
+              <a:t>12/29/2024</a:t>
             </a:fld>
             <a:endParaRPr lang="en-US" dirty="0"/>
           </a:p>
@@ -904,7 +905,7 @@
           <a:p>
             <a:fld id="{50B6E300-0A13-4A81-945A-7333C271A069}" type="datetimeFigureOut">
               <a:rPr lang="en-US" dirty="0"/>
-              <a:t>12/28/2024</a:t>
+              <a:t>12/29/2024</a:t>
             </a:fld>
             <a:endParaRPr lang="en-US" dirty="0"/>
           </a:p>
@@ -1155,7 +1156,7 @@
           <a:p>
             <a:fld id="{34671962-1EA4-46E7-BCB0-F36CE46D1A59}" type="datetimeFigureOut">
               <a:rPr lang="en-US" dirty="0"/>
-              <a:t>12/28/2024</a:t>
+              <a:t>12/29/2024</a:t>
             </a:fld>
             <a:endParaRPr lang="en-US" dirty="0"/>
           </a:p>
@@ -1320,7 +1321,7 @@
           <a:p>
             <a:fld id="{D30BB376-B19C-488D-ABEB-03C7E6E9E3E0}" type="datetimeFigureOut">
               <a:rPr lang="en-US" dirty="0"/>
-              <a:t>12/28/2024</a:t>
+              <a:t>12/29/2024</a:t>
             </a:fld>
             <a:endParaRPr lang="en-US" dirty="0"/>
           </a:p>
@@ -1658,7 +1659,7 @@
           <a:p>
             <a:fld id="{486F077B-A50F-4D64-8574-E2D6A98A5553}" type="datetimeFigureOut">
               <a:rPr lang="en-US" dirty="0"/>
-              <a:t>12/28/2024</a:t>
+              <a:t>12/29/2024</a:t>
             </a:fld>
             <a:endParaRPr lang="en-US" dirty="0"/>
           </a:p>
@@ -1928,7 +1929,7 @@
           <a:p>
             <a:fld id="{7D9E2A62-1983-43A1-A163-D8AA46534C80}" type="datetimeFigureOut">
               <a:rPr lang="en-US" dirty="0"/>
-              <a:t>12/28/2024</a:t>
+              <a:t>12/29/2024</a:t>
             </a:fld>
             <a:endParaRPr lang="en-US" dirty="0"/>
           </a:p>
@@ -2302,7 +2303,7 @@
           <a:p>
             <a:fld id="{898F3E3B-34E3-4345-B2A1-994B83598A9C}" type="datetimeFigureOut">
               <a:rPr lang="en-US" dirty="0"/>
-              <a:t>12/28/2024</a:t>
+              <a:t>12/29/2024</a:t>
             </a:fld>
             <a:endParaRPr lang="en-US" dirty="0"/>
           </a:p>
@@ -2415,7 +2416,7 @@
           <a:p>
             <a:fld id="{FD816C96-82A1-4D77-8ADA-627AC6FE3D65}" type="datetimeFigureOut">
               <a:rPr lang="en-US" dirty="0"/>
-              <a:t>12/28/2024</a:t>
+              <a:t>12/29/2024</a:t>
             </a:fld>
             <a:endParaRPr lang="en-US" dirty="0"/>
           </a:p>
@@ -2581,7 +2582,7 @@
           <a:p>
             <a:fld id="{1D102C1E-28F2-47E9-802D-339E64E2F920}" type="datetimeFigureOut">
               <a:rPr lang="en-US" dirty="0"/>
-              <a:t>12/28/2024</a:t>
+              <a:t>12/29/2024</a:t>
             </a:fld>
             <a:endParaRPr lang="en-US" dirty="0"/>
           </a:p>
@@ -2931,7 +2932,7 @@
           <a:p>
             <a:fld id="{24271A48-F18A-45B3-BC05-1E27DA3F88AF}" type="datetimeFigureOut">
               <a:rPr lang="en-US" dirty="0"/>
-              <a:t>12/28/2024</a:t>
+              <a:t>12/29/2024</a:t>
             </a:fld>
             <a:endParaRPr lang="en-US" dirty="0"/>
           </a:p>
@@ -3304,7 +3305,7 @@
           <a:p>
             <a:fld id="{65B747F8-9654-4282-85D2-65F41AAE7A75}" type="datetimeFigureOut">
               <a:rPr lang="en-US" dirty="0"/>
-              <a:t>12/28/2024</a:t>
+              <a:t>12/29/2024</a:t>
             </a:fld>
             <a:endParaRPr lang="en-US" dirty="0"/>
           </a:p>
@@ -3586,7 +3587,7 @@
           <a:p>
             <a:fld id="{5DC5B261-8843-42D1-AAFC-05E20E2D9B97}" type="datetimeFigureOut">
               <a:rPr lang="en-US" dirty="0"/>
-              <a:t>12/28/2024</a:t>
+              <a:t>12/29/2024</a:t>
             </a:fld>
             <a:endParaRPr lang="en-US" dirty="0"/>
           </a:p>
@@ -4411,6 +4412,185 @@
           <a:chExt cx="0" cy="0"/>
         </a:xfrm>
       </p:grpSpPr>
+      <p:sp>
+        <p:nvSpPr>
+          <p:cNvPr id="8" name="Rectangle 7"/>
+          <p:cNvSpPr/>
+          <p:nvPr/>
+        </p:nvSpPr>
+        <p:spPr>
+          <a:xfrm>
+            <a:off x="281354" y="1151792"/>
+            <a:ext cx="11526715" cy="5037992"/>
+          </a:xfrm>
+          <a:prstGeom prst="rect">
+            <a:avLst/>
+          </a:prstGeom>
+        </p:spPr>
+        <p:style>
+          <a:lnRef idx="2">
+            <a:schemeClr val="accent1"/>
+          </a:lnRef>
+          <a:fillRef idx="1">
+            <a:schemeClr val="lt1"/>
+          </a:fillRef>
+          <a:effectRef idx="0">
+            <a:schemeClr val="accent1"/>
+          </a:effectRef>
+          <a:fontRef idx="minor">
+            <a:schemeClr val="dk1"/>
+          </a:fontRef>
+        </p:style>
+        <p:txBody>
+          <a:bodyPr rtlCol="0" anchor="ctr"/>
+          <a:lstStyle/>
+          <a:p>
+            <a:pPr algn="ctr"/>
+            <a:endParaRPr lang="en-IN"/>
+          </a:p>
+        </p:txBody>
+      </p:sp>
+      <p:sp>
+        <p:nvSpPr>
+          <p:cNvPr id="2" name="TextBox 1"/>
+          <p:cNvSpPr txBox="1"/>
+          <p:nvPr/>
+        </p:nvSpPr>
+        <p:spPr>
+          <a:xfrm>
+            <a:off x="281354" y="270408"/>
+            <a:ext cx="11910646" cy="707886"/>
+          </a:xfrm>
+          <a:prstGeom prst="rect">
+            <a:avLst/>
+          </a:prstGeom>
+          <a:noFill/>
+        </p:spPr>
+        <p:txBody>
+          <a:bodyPr wrap="square" rtlCol="0">
+            <a:spAutoFit/>
+          </a:bodyPr>
+          <a:lstStyle/>
+          <a:p>
+            <a:r>
+              <a:rPr lang="en-IN" sz="4000" b="1" dirty="0">
+                <a:hlinkClick r:id="rId2"/>
+              </a:rPr>
+              <a:t>Minimum Absolute Difference</a:t>
+            </a:r>
+            <a:endParaRPr lang="en-US" sz="4000" b="1" dirty="0"/>
+          </a:p>
+        </p:txBody>
+      </p:sp>
+      <p:pic>
+        <p:nvPicPr>
+          <p:cNvPr id="6" name="Picture 5"/>
+          <p:cNvPicPr>
+            <a:picLocks noChangeAspect="1"/>
+          </p:cNvPicPr>
+          <p:nvPr/>
+        </p:nvPicPr>
+        <p:blipFill>
+          <a:blip r:embed="rId3"/>
+          <a:stretch>
+            <a:fillRect/>
+          </a:stretch>
+        </p:blipFill>
+        <p:spPr>
+          <a:xfrm>
+            <a:off x="469434" y="1290342"/>
+            <a:ext cx="4107458" cy="4597273"/>
+          </a:xfrm>
+          <a:prstGeom prst="rect">
+            <a:avLst/>
+          </a:prstGeom>
+        </p:spPr>
+      </p:pic>
+      <p:pic>
+        <p:nvPicPr>
+          <p:cNvPr id="7" name="Picture 6"/>
+          <p:cNvPicPr>
+            <a:picLocks noChangeAspect="1"/>
+          </p:cNvPicPr>
+          <p:nvPr/>
+        </p:nvPicPr>
+        <p:blipFill>
+          <a:blip r:embed="rId4"/>
+          <a:stretch>
+            <a:fillRect/>
+          </a:stretch>
+        </p:blipFill>
+        <p:spPr>
+          <a:xfrm>
+            <a:off x="8340046" y="1892980"/>
+            <a:ext cx="3208154" cy="2846971"/>
+          </a:xfrm>
+          <a:prstGeom prst="rect">
+            <a:avLst/>
+          </a:prstGeom>
+        </p:spPr>
+      </p:pic>
+      <p:pic>
+        <p:nvPicPr>
+          <p:cNvPr id="9" name="Picture 8"/>
+          <p:cNvPicPr>
+            <a:picLocks noChangeAspect="1"/>
+          </p:cNvPicPr>
+          <p:nvPr/>
+        </p:nvPicPr>
+        <p:blipFill>
+          <a:blip r:embed="rId5"/>
+          <a:stretch>
+            <a:fillRect/>
+          </a:stretch>
+        </p:blipFill>
+        <p:spPr>
+          <a:xfrm>
+            <a:off x="4576892" y="1703434"/>
+            <a:ext cx="3897363" cy="3036517"/>
+          </a:xfrm>
+          <a:prstGeom prst="rect">
+            <a:avLst/>
+          </a:prstGeom>
+        </p:spPr>
+      </p:pic>
+    </p:spTree>
+    <p:extLst>
+      <p:ext uri="{BB962C8B-B14F-4D97-AF65-F5344CB8AC3E}">
+        <p14:creationId xmlns:p14="http://schemas.microsoft.com/office/powerpoint/2010/main" val="2189247133"/>
+      </p:ext>
+    </p:extLst>
+  </p:cSld>
+  <p:clrMapOvr>
+    <a:masterClrMapping/>
+  </p:clrMapOvr>
+  <p:timing>
+    <p:tnLst>
+      <p:par>
+        <p:cTn id="1" dur="indefinite" restart="never" nodeType="tmRoot"/>
+      </p:par>
+    </p:tnLst>
+  </p:timing>
+</p:sld>
+</file>
+
+<file path=ppt/slides/slide12.xml><?xml version="1.0" encoding="utf-8"?>
+<p:sld xmlns:a="http://schemas.openxmlformats.org/drawingml/2006/main" xmlns:r="http://schemas.openxmlformats.org/officeDocument/2006/relationships" xmlns:p="http://schemas.openxmlformats.org/presentationml/2006/main">
+  <p:cSld>
+    <p:spTree>
+      <p:nvGrpSpPr>
+        <p:cNvPr id="1" name=""/>
+        <p:cNvGrpSpPr/>
+        <p:nvPr/>
+      </p:nvGrpSpPr>
+      <p:grpSpPr>
+        <a:xfrm>
+          <a:off x="0" y="0"/>
+          <a:ext cx="0" cy="0"/>
+          <a:chOff x="0" y="0"/>
+          <a:chExt cx="0" cy="0"/>
+        </a:xfrm>
+      </p:grpSpPr>
     </p:spTree>
     <p:extLst>
       <p:ext uri="{BB962C8B-B14F-4D97-AF65-F5344CB8AC3E}">
@@ -5314,6 +5494,30 @@
           <a:chExt cx="0" cy="0"/>
         </a:xfrm>
       </p:grpSpPr>
+      <p:pic>
+        <p:nvPicPr>
+          <p:cNvPr id="9" name="Picture 8"/>
+          <p:cNvPicPr>
+            <a:picLocks noChangeAspect="1"/>
+          </p:cNvPicPr>
+          <p:nvPr/>
+        </p:nvPicPr>
+        <p:blipFill>
+          <a:blip r:embed="rId2"/>
+          <a:stretch>
+            <a:fillRect/>
+          </a:stretch>
+        </p:blipFill>
+        <p:spPr>
+          <a:xfrm>
+            <a:off x="4669040" y="1761033"/>
+            <a:ext cx="4102699" cy="2968520"/>
+          </a:xfrm>
+          <a:prstGeom prst="rect">
+            <a:avLst/>
+          </a:prstGeom>
+        </p:spPr>
+      </p:pic>
       <p:sp>
         <p:nvSpPr>
           <p:cNvPr id="8" name="Rectangle 7"/>
@@ -5376,7 +5580,7 @@
           <a:p>
             <a:r>
               <a:rPr lang="en-IN" sz="4000" b="1" dirty="0">
-                <a:hlinkClick r:id="rId2"/>
+                <a:hlinkClick r:id="rId3"/>
               </a:rPr>
               <a:t>Longest Mountain in Array</a:t>
             </a:r>
@@ -5387,30 +5591,6 @@
       <p:pic>
         <p:nvPicPr>
           <p:cNvPr id="6" name="Picture 5"/>
-          <p:cNvPicPr>
-            <a:picLocks noChangeAspect="1"/>
-          </p:cNvPicPr>
-          <p:nvPr/>
-        </p:nvPicPr>
-        <p:blipFill>
-          <a:blip r:embed="rId3"/>
-          <a:stretch>
-            <a:fillRect/>
-          </a:stretch>
-        </p:blipFill>
-        <p:spPr>
-          <a:xfrm>
-            <a:off x="578499" y="1630746"/>
-            <a:ext cx="3933569" cy="3448129"/>
-          </a:xfrm>
-          <a:prstGeom prst="rect">
-            <a:avLst/>
-          </a:prstGeom>
-        </p:spPr>
-      </p:pic>
-      <p:pic>
-        <p:nvPicPr>
-          <p:cNvPr id="7" name="Picture 6"/>
           <p:cNvPicPr>
             <a:picLocks noChangeAspect="1"/>
           </p:cNvPicPr>
@@ -5424,8 +5604,8 @@
         </p:blipFill>
         <p:spPr>
           <a:xfrm>
-            <a:off x="8928712" y="2086538"/>
-            <a:ext cx="2776721" cy="2317511"/>
+            <a:off x="578499" y="1630746"/>
+            <a:ext cx="3933569" cy="3448129"/>
           </a:xfrm>
           <a:prstGeom prst="rect">
             <a:avLst/>
@@ -5434,7 +5614,7 @@
       </p:pic>
       <p:pic>
         <p:nvPicPr>
-          <p:cNvPr id="9" name="Picture 8"/>
+          <p:cNvPr id="7" name="Picture 6"/>
           <p:cNvPicPr>
             <a:picLocks noChangeAspect="1"/>
           </p:cNvPicPr>
@@ -5448,8 +5628,8 @@
         </p:blipFill>
         <p:spPr>
           <a:xfrm>
-            <a:off x="4669040" y="1761033"/>
-            <a:ext cx="4102699" cy="2968520"/>
+            <a:off x="8928712" y="2086538"/>
+            <a:ext cx="2776721" cy="2317511"/>
           </a:xfrm>
           <a:prstGeom prst="rect">
             <a:avLst/>
@@ -5537,20 +5717,7 @@
                   </a:outerShdw>
                 </a:effectLst>
               </a:rPr>
-              <a:t>Arrays </a:t>
-            </a:r>
-            <a:r>
-              <a:rPr lang="en-IN" sz="7200" dirty="0" smtClean="0">
-                <a:ln w="0"/>
-                <a:effectLst>
-                  <a:outerShdw blurRad="38100" dist="19050" dir="2700000" algn="tl" rotWithShape="0">
-                    <a:schemeClr val="dk1">
-                      <a:alpha val="40000"/>
-                    </a:schemeClr>
-                  </a:outerShdw>
-                </a:effectLst>
-              </a:rPr>
-              <a:t>– Sliding Window</a:t>
+              <a:t>Arrays – Sliding Window</a:t>
             </a:r>
             <a:endParaRPr lang="en-IN" sz="7200" dirty="0">
               <a:ln w="0"/>
